--- a/figs/figures.pptx
+++ b/figs/figures.pptx
@@ -21,6 +21,7 @@
     <p:sldId id="443" r:id="rId15"/>
     <p:sldId id="444" r:id="rId16"/>
     <p:sldId id="445" r:id="rId17"/>
+    <p:sldId id="446" r:id="rId18"/>
   </p:sldIdLst>
   <p:sldSz cx="12192000" cy="6858000"/>
   <p:notesSz cx="6858000" cy="9144000"/>
@@ -9749,7 +9750,7 @@
           <a:p>
             <a:fld id="{5C6EBB67-6EE7-4C23-B985-43789AB9C88F}" type="datetimeFigureOut">
               <a:rPr lang="en-US" smtClean="0"/>
-              <a:t>1/30/2023</a:t>
+              <a:t>2/1/2023</a:t>
             </a:fld>
             <a:endParaRPr lang="en-US"/>
           </a:p>
@@ -10384,7 +10385,7 @@
           <a:p>
             <a:fld id="{DF8FEDC4-D0B3-4856-9A38-C1252647D9D9}" type="datetimeFigureOut">
               <a:rPr lang="en-US" smtClean="0"/>
-              <a:t>1/30/2023</a:t>
+              <a:t>2/1/2023</a:t>
             </a:fld>
             <a:endParaRPr lang="en-US"/>
           </a:p>
@@ -10582,7 +10583,7 @@
           <a:p>
             <a:fld id="{DF8FEDC4-D0B3-4856-9A38-C1252647D9D9}" type="datetimeFigureOut">
               <a:rPr lang="en-US" smtClean="0"/>
-              <a:t>1/30/2023</a:t>
+              <a:t>2/1/2023</a:t>
             </a:fld>
             <a:endParaRPr lang="en-US"/>
           </a:p>
@@ -10857,7 +10858,7 @@
           <a:p>
             <a:fld id="{DF8FEDC4-D0B3-4856-9A38-C1252647D9D9}" type="datetimeFigureOut">
               <a:rPr lang="en-US" smtClean="0"/>
-              <a:t>1/30/2023</a:t>
+              <a:t>2/1/2023</a:t>
             </a:fld>
             <a:endParaRPr lang="en-US"/>
           </a:p>
@@ -11122,7 +11123,7 @@
           <a:p>
             <a:fld id="{DF8FEDC4-D0B3-4856-9A38-C1252647D9D9}" type="datetimeFigureOut">
               <a:rPr lang="en-US" smtClean="0"/>
-              <a:t>1/30/2023</a:t>
+              <a:t>2/1/2023</a:t>
             </a:fld>
             <a:endParaRPr lang="en-US"/>
           </a:p>
@@ -11534,7 +11535,7 @@
           <a:p>
             <a:fld id="{DF8FEDC4-D0B3-4856-9A38-C1252647D9D9}" type="datetimeFigureOut">
               <a:rPr lang="en-US" smtClean="0"/>
-              <a:t>1/30/2023</a:t>
+              <a:t>2/1/2023</a:t>
             </a:fld>
             <a:endParaRPr lang="en-US"/>
           </a:p>
@@ -11675,7 +11676,7 @@
           <a:p>
             <a:fld id="{DF8FEDC4-D0B3-4856-9A38-C1252647D9D9}" type="datetimeFigureOut">
               <a:rPr lang="en-US" smtClean="0"/>
-              <a:t>1/30/2023</a:t>
+              <a:t>2/1/2023</a:t>
             </a:fld>
             <a:endParaRPr lang="en-US"/>
           </a:p>
@@ -11921,7 +11922,7 @@
           <a:p>
             <a:fld id="{DF8FEDC4-D0B3-4856-9A38-C1252647D9D9}" type="datetimeFigureOut">
               <a:rPr lang="en-US" smtClean="0"/>
-              <a:t>1/30/2023</a:t>
+              <a:t>2/1/2023</a:t>
             </a:fld>
             <a:endParaRPr lang="en-US"/>
           </a:p>
@@ -12232,7 +12233,7 @@
           <a:p>
             <a:fld id="{DF8FEDC4-D0B3-4856-9A38-C1252647D9D9}" type="datetimeFigureOut">
               <a:rPr lang="en-US" smtClean="0"/>
-              <a:t>1/30/2023</a:t>
+              <a:t>2/1/2023</a:t>
             </a:fld>
             <a:endParaRPr lang="en-US"/>
           </a:p>
@@ -12520,7 +12521,7 @@
           <a:p>
             <a:fld id="{DF8FEDC4-D0B3-4856-9A38-C1252647D9D9}" type="datetimeFigureOut">
               <a:rPr lang="en-US" smtClean="0"/>
-              <a:t>1/30/2023</a:t>
+              <a:t>2/1/2023</a:t>
             </a:fld>
             <a:endParaRPr lang="en-US"/>
           </a:p>
@@ -12718,7 +12719,7 @@
           <a:p>
             <a:fld id="{DF8FEDC4-D0B3-4856-9A38-C1252647D9D9}" type="datetimeFigureOut">
               <a:rPr lang="en-US" smtClean="0"/>
-              <a:t>1/30/2023</a:t>
+              <a:t>2/1/2023</a:t>
             </a:fld>
             <a:endParaRPr lang="en-US"/>
           </a:p>
@@ -12926,7 +12927,7 @@
           <a:p>
             <a:fld id="{DF8FEDC4-D0B3-4856-9A38-C1252647D9D9}" type="datetimeFigureOut">
               <a:rPr lang="en-US" smtClean="0"/>
-              <a:t>1/30/2023</a:t>
+              <a:t>2/1/2023</a:t>
             </a:fld>
             <a:endParaRPr lang="en-US"/>
           </a:p>
@@ -17793,7 +17794,7 @@
           <a:p>
             <a:fld id="{DF8FEDC4-D0B3-4856-9A38-C1252647D9D9}" type="datetimeFigureOut">
               <a:rPr lang="en-US" smtClean="0"/>
-              <a:t>1/30/2023</a:t>
+              <a:t>2/1/2023</a:t>
             </a:fld>
             <a:endParaRPr lang="en-US"/>
           </a:p>
@@ -34213,6 +34214,1821 @@
 </p:sld>
 </file>
 
+<file path=ppt/slides/slide16.xml><?xml version="1.0" encoding="utf-8"?>
+<p:sld xmlns:a="http://schemas.openxmlformats.org/drawingml/2006/main" xmlns:r="http://schemas.openxmlformats.org/officeDocument/2006/relationships" xmlns:p="http://schemas.openxmlformats.org/presentationml/2006/main">
+  <p:cSld>
+    <p:spTree>
+      <p:nvGrpSpPr>
+        <p:cNvPr id="1" name=""/>
+        <p:cNvGrpSpPr/>
+        <p:nvPr/>
+      </p:nvGrpSpPr>
+      <p:grpSpPr>
+        <a:xfrm>
+          <a:off x="0" y="0"/>
+          <a:ext cx="0" cy="0"/>
+          <a:chOff x="0" y="0"/>
+          <a:chExt cx="0" cy="0"/>
+        </a:xfrm>
+      </p:grpSpPr>
+      <p:cxnSp>
+        <p:nvCxnSpPr>
+          <p:cNvPr id="7" name="Straight Connector 6">
+            <a:extLst>
+              <a:ext uri="{FF2B5EF4-FFF2-40B4-BE49-F238E27FC236}">
+                <a16:creationId xmlns:a16="http://schemas.microsoft.com/office/drawing/2014/main" id="{6313B9D1-7D88-6F0D-6289-C3636D2E3EB3}"/>
+              </a:ext>
+            </a:extLst>
+          </p:cNvPr>
+          <p:cNvCxnSpPr>
+            <a:cxnSpLocks/>
+          </p:cNvCxnSpPr>
+          <p:nvPr/>
+        </p:nvCxnSpPr>
+        <p:spPr>
+          <a:xfrm>
+            <a:off x="5327381" y="4460673"/>
+            <a:ext cx="0" cy="1804946"/>
+          </a:xfrm>
+          <a:prstGeom prst="line">
+            <a:avLst/>
+          </a:prstGeom>
+          <a:ln w="28575">
+            <a:solidFill>
+              <a:schemeClr val="bg1">
+                <a:lumMod val="65000"/>
+              </a:schemeClr>
+            </a:solidFill>
+          </a:ln>
+        </p:spPr>
+        <p:style>
+          <a:lnRef idx="1">
+            <a:schemeClr val="accent1"/>
+          </a:lnRef>
+          <a:fillRef idx="0">
+            <a:schemeClr val="accent1"/>
+          </a:fillRef>
+          <a:effectRef idx="0">
+            <a:schemeClr val="accent1"/>
+          </a:effectRef>
+          <a:fontRef idx="minor">
+            <a:schemeClr val="tx1"/>
+          </a:fontRef>
+        </p:style>
+      </p:cxnSp>
+      <p:pic>
+        <p:nvPicPr>
+          <p:cNvPr id="9" name="Picture 8">
+            <a:extLst>
+              <a:ext uri="{FF2B5EF4-FFF2-40B4-BE49-F238E27FC236}">
+                <a16:creationId xmlns:a16="http://schemas.microsoft.com/office/drawing/2014/main" id="{A16E46AE-589F-086B-CB90-57C5C9EB73DC}"/>
+              </a:ext>
+            </a:extLst>
+          </p:cNvPr>
+          <p:cNvPicPr>
+            <a:picLocks noChangeAspect="1"/>
+          </p:cNvPicPr>
+          <p:nvPr/>
+        </p:nvPicPr>
+        <p:blipFill>
+          <a:blip r:embed="rId2"/>
+          <a:stretch>
+            <a:fillRect/>
+          </a:stretch>
+        </p:blipFill>
+        <p:spPr>
+          <a:xfrm>
+            <a:off x="61180" y="4503228"/>
+            <a:ext cx="4852738" cy="1285088"/>
+          </a:xfrm>
+          <a:prstGeom prst="rect">
+            <a:avLst/>
+          </a:prstGeom>
+        </p:spPr>
+      </p:pic>
+      <p:pic>
+        <p:nvPicPr>
+          <p:cNvPr id="11" name="Picture 10">
+            <a:extLst>
+              <a:ext uri="{FF2B5EF4-FFF2-40B4-BE49-F238E27FC236}">
+                <a16:creationId xmlns:a16="http://schemas.microsoft.com/office/drawing/2014/main" id="{AE76FB50-6043-2168-0B0B-CCF1C7D66722}"/>
+              </a:ext>
+            </a:extLst>
+          </p:cNvPr>
+          <p:cNvPicPr>
+            <a:picLocks noChangeAspect="1"/>
+          </p:cNvPicPr>
+          <p:nvPr/>
+        </p:nvPicPr>
+        <p:blipFill>
+          <a:blip r:embed="rId3"/>
+          <a:stretch>
+            <a:fillRect/>
+          </a:stretch>
+        </p:blipFill>
+        <p:spPr>
+          <a:xfrm>
+            <a:off x="5667624" y="4501013"/>
+            <a:ext cx="6490128" cy="1525641"/>
+          </a:xfrm>
+          <a:prstGeom prst="rect">
+            <a:avLst/>
+          </a:prstGeom>
+        </p:spPr>
+      </p:pic>
+      <p:sp>
+        <p:nvSpPr>
+          <p:cNvPr id="14" name="TextBox 13">
+            <a:extLst>
+              <a:ext uri="{FF2B5EF4-FFF2-40B4-BE49-F238E27FC236}">
+                <a16:creationId xmlns:a16="http://schemas.microsoft.com/office/drawing/2014/main" id="{FB933821-C4E1-3A09-D4CF-501C3E9609CD}"/>
+              </a:ext>
+            </a:extLst>
+          </p:cNvPr>
+          <p:cNvSpPr txBox="1"/>
+          <p:nvPr/>
+        </p:nvSpPr>
+        <p:spPr>
+          <a:xfrm>
+            <a:off x="2173472" y="6265619"/>
+            <a:ext cx="628153" cy="400110"/>
+          </a:xfrm>
+          <a:prstGeom prst="rect">
+            <a:avLst/>
+          </a:prstGeom>
+          <a:noFill/>
+        </p:spPr>
+        <p:txBody>
+          <a:bodyPr wrap="square" rtlCol="0">
+            <a:spAutoFit/>
+          </a:bodyPr>
+          <a:lstStyle/>
+          <a:p>
+            <a:pPr algn="ctr"/>
+            <a:r>
+              <a:rPr lang="en-US" sz="2000" dirty="0"/>
+              <a:t>(a)</a:t>
+            </a:r>
+          </a:p>
+        </p:txBody>
+      </p:sp>
+      <p:sp>
+        <p:nvSpPr>
+          <p:cNvPr id="15" name="TextBox 14">
+            <a:extLst>
+              <a:ext uri="{FF2B5EF4-FFF2-40B4-BE49-F238E27FC236}">
+                <a16:creationId xmlns:a16="http://schemas.microsoft.com/office/drawing/2014/main" id="{4C6F0F82-D20D-468D-4AB2-3D2AF2FE8813}"/>
+              </a:ext>
+            </a:extLst>
+          </p:cNvPr>
+          <p:cNvSpPr txBox="1"/>
+          <p:nvPr/>
+        </p:nvSpPr>
+        <p:spPr>
+          <a:xfrm>
+            <a:off x="8598611" y="6265619"/>
+            <a:ext cx="628153" cy="400110"/>
+          </a:xfrm>
+          <a:prstGeom prst="rect">
+            <a:avLst/>
+          </a:prstGeom>
+          <a:noFill/>
+        </p:spPr>
+        <p:txBody>
+          <a:bodyPr wrap="square" rtlCol="0">
+            <a:spAutoFit/>
+          </a:bodyPr>
+          <a:lstStyle/>
+          <a:p>
+            <a:pPr algn="ctr"/>
+            <a:r>
+              <a:rPr lang="en-US" sz="2000" dirty="0"/>
+              <a:t>(b)</a:t>
+            </a:r>
+          </a:p>
+        </p:txBody>
+      </p:sp>
+      <p:sp>
+        <p:nvSpPr>
+          <p:cNvPr id="18" name="TextBox 17">
+            <a:extLst>
+              <a:ext uri="{FF2B5EF4-FFF2-40B4-BE49-F238E27FC236}">
+                <a16:creationId xmlns:a16="http://schemas.microsoft.com/office/drawing/2014/main" id="{7C1F6466-53C2-E426-D745-DE46934FC322}"/>
+              </a:ext>
+            </a:extLst>
+          </p:cNvPr>
+          <p:cNvSpPr txBox="1"/>
+          <p:nvPr/>
+        </p:nvSpPr>
+        <p:spPr>
+          <a:xfrm>
+            <a:off x="1663810" y="27320"/>
+            <a:ext cx="9144662" cy="4227952"/>
+          </a:xfrm>
+          <a:prstGeom prst="rect">
+            <a:avLst/>
+          </a:prstGeom>
+          <a:noFill/>
+        </p:spPr>
+        <p:txBody>
+          <a:bodyPr wrap="square">
+            <a:spAutoFit/>
+          </a:bodyPr>
+          <a:lstStyle/>
+          <a:p>
+            <a:pPr marL="0" marR="0">
+              <a:lnSpc>
+                <a:spcPct val="107000"/>
+              </a:lnSpc>
+              <a:spcBef>
+                <a:spcPts val="0"/>
+              </a:spcBef>
+              <a:spcAft>
+                <a:spcPts val="0"/>
+              </a:spcAft>
+              <a:tabLst>
+                <a:tab pos="342900" algn="l"/>
+                <a:tab pos="685800" algn="l"/>
+                <a:tab pos="1028700" algn="l"/>
+                <a:tab pos="1371600" algn="l"/>
+                <a:tab pos="1714500" algn="l"/>
+              </a:tabLst>
+            </a:pPr>
+            <a:r>
+              <a:rPr lang="en-US" sz="1800" dirty="0">
+                <a:solidFill>
+                  <a:srgbClr val="808080"/>
+                </a:solidFill>
+                <a:effectLst/>
+                <a:latin typeface="Consolas" panose="020B0609020204030204" pitchFamily="49" charset="0"/>
+                <a:ea typeface="Calibri" panose="020F0502020204030204" pitchFamily="34" charset="0"/>
+                <a:cs typeface="Consolas" panose="020B0609020204030204" pitchFamily="49" charset="0"/>
+              </a:rPr>
+              <a:t> 1</a:t>
+            </a:r>
+            <a:r>
+              <a:rPr lang="en-US" sz="1800" b="1" dirty="0">
+                <a:solidFill>
+                  <a:srgbClr val="7F0055"/>
+                </a:solidFill>
+                <a:effectLst/>
+                <a:latin typeface="Consolas" panose="020B0609020204030204" pitchFamily="49" charset="0"/>
+                <a:ea typeface="Calibri" panose="020F0502020204030204" pitchFamily="34" charset="0"/>
+                <a:cs typeface="Consolas" panose="020B0609020204030204" pitchFamily="49" charset="0"/>
+              </a:rPr>
+              <a:t>  goal </a:t>
+            </a:r>
+            <a:r>
+              <a:rPr lang="en-US" sz="1800" b="1" dirty="0" err="1">
+                <a:solidFill>
+                  <a:srgbClr val="7F0055"/>
+                </a:solidFill>
+                <a:effectLst/>
+                <a:latin typeface="Consolas" panose="020B0609020204030204" pitchFamily="49" charset="0"/>
+                <a:ea typeface="Calibri" panose="020F0502020204030204" pitchFamily="34" charset="0"/>
+                <a:cs typeface="Consolas" panose="020B0609020204030204" pitchFamily="49" charset="0"/>
+              </a:rPr>
+              <a:t>Req_Filter</a:t>
+            </a:r>
+            <a:r>
+              <a:rPr lang="en-US" sz="1800" b="1" dirty="0">
+                <a:solidFill>
+                  <a:srgbClr val="7F0055"/>
+                </a:solidFill>
+                <a:effectLst/>
+                <a:latin typeface="Consolas" panose="020B0609020204030204" pitchFamily="49" charset="0"/>
+                <a:ea typeface="Calibri" panose="020F0502020204030204" pitchFamily="34" charset="0"/>
+                <a:cs typeface="Consolas" panose="020B0609020204030204" pitchFamily="49" charset="0"/>
+              </a:rPr>
+              <a:t>() &lt;=</a:t>
+            </a:r>
+            <a:endParaRPr lang="en-US" sz="1800" dirty="0">
+              <a:effectLst/>
+              <a:latin typeface="Calibri" panose="020F0502020204030204" pitchFamily="34" charset="0"/>
+              <a:ea typeface="Calibri" panose="020F0502020204030204" pitchFamily="34" charset="0"/>
+              <a:cs typeface="Times New Roman" panose="02020603050405020304" pitchFamily="18" charset="0"/>
+            </a:endParaRPr>
+          </a:p>
+          <a:p>
+            <a:pPr marL="0" marR="0">
+              <a:lnSpc>
+                <a:spcPct val="107000"/>
+              </a:lnSpc>
+              <a:spcBef>
+                <a:spcPts val="0"/>
+              </a:spcBef>
+              <a:spcAft>
+                <a:spcPts val="0"/>
+              </a:spcAft>
+              <a:tabLst>
+                <a:tab pos="342900" algn="l"/>
+                <a:tab pos="685800" algn="l"/>
+                <a:tab pos="1028700" algn="l"/>
+                <a:tab pos="1371600" algn="l"/>
+                <a:tab pos="1714500" algn="l"/>
+              </a:tabLst>
+            </a:pPr>
+            <a:r>
+              <a:rPr lang="en-US" sz="1800" b="1" dirty="0">
+                <a:solidFill>
+                  <a:srgbClr val="7F0055"/>
+                </a:solidFill>
+                <a:effectLst/>
+                <a:latin typeface="Consolas" panose="020B0609020204030204" pitchFamily="49" charset="0"/>
+                <a:ea typeface="Calibri" panose="020F0502020204030204" pitchFamily="34" charset="0"/>
+                <a:cs typeface="Consolas" panose="020B0609020204030204" pitchFamily="49" charset="0"/>
+              </a:rPr>
+              <a:t> </a:t>
+            </a:r>
+            <a:r>
+              <a:rPr lang="en-US" sz="1800" dirty="0">
+                <a:solidFill>
+                  <a:srgbClr val="808080"/>
+                </a:solidFill>
+                <a:effectLst/>
+                <a:latin typeface="Consolas" panose="020B0609020204030204" pitchFamily="49" charset="0"/>
+                <a:ea typeface="Calibri" panose="020F0502020204030204" pitchFamily="34" charset="0"/>
+                <a:cs typeface="Consolas" panose="020B0609020204030204" pitchFamily="49" charset="0"/>
+              </a:rPr>
+              <a:t>2</a:t>
+            </a:r>
+            <a:r>
+              <a:rPr lang="en-US" sz="1800" b="1" dirty="0">
+                <a:solidFill>
+                  <a:srgbClr val="7F0055"/>
+                </a:solidFill>
+                <a:effectLst/>
+                <a:latin typeface="Consolas" panose="020B0609020204030204" pitchFamily="49" charset="0"/>
+                <a:ea typeface="Calibri" panose="020F0502020204030204" pitchFamily="34" charset="0"/>
+                <a:cs typeface="Consolas" panose="020B0609020204030204" pitchFamily="49" charset="0"/>
+              </a:rPr>
+              <a:t>    ** </a:t>
+            </a:r>
+            <a:r>
+              <a:rPr lang="en-US" sz="1800" dirty="0">
+                <a:solidFill>
+                  <a:srgbClr val="2A00FF"/>
+                </a:solidFill>
+                <a:effectLst/>
+                <a:latin typeface="Consolas" panose="020B0609020204030204" pitchFamily="49" charset="0"/>
+                <a:ea typeface="Calibri" panose="020F0502020204030204" pitchFamily="34" charset="0"/>
+                <a:cs typeface="Consolas" panose="020B0609020204030204" pitchFamily="49" charset="0"/>
+              </a:rPr>
+              <a:t>"Messages shall be well-formed"</a:t>
+            </a:r>
+            <a:r>
+              <a:rPr lang="en-US" sz="1800" b="1" dirty="0">
+                <a:solidFill>
+                  <a:srgbClr val="7F0055"/>
+                </a:solidFill>
+                <a:effectLst/>
+                <a:latin typeface="Consolas" panose="020B0609020204030204" pitchFamily="49" charset="0"/>
+                <a:ea typeface="Calibri" panose="020F0502020204030204" pitchFamily="34" charset="0"/>
+                <a:cs typeface="Consolas" panose="020B0609020204030204" pitchFamily="49" charset="0"/>
+              </a:rPr>
+              <a:t> **</a:t>
+            </a:r>
+            <a:endParaRPr lang="en-US" sz="1800" dirty="0">
+              <a:effectLst/>
+              <a:latin typeface="Calibri" panose="020F0502020204030204" pitchFamily="34" charset="0"/>
+              <a:ea typeface="Calibri" panose="020F0502020204030204" pitchFamily="34" charset="0"/>
+              <a:cs typeface="Times New Roman" panose="02020603050405020304" pitchFamily="18" charset="0"/>
+            </a:endParaRPr>
+          </a:p>
+          <a:p>
+            <a:pPr marL="0" marR="0">
+              <a:lnSpc>
+                <a:spcPct val="107000"/>
+              </a:lnSpc>
+              <a:spcBef>
+                <a:spcPts val="0"/>
+              </a:spcBef>
+              <a:spcAft>
+                <a:spcPts val="0"/>
+              </a:spcAft>
+              <a:tabLst>
+                <a:tab pos="342900" algn="l"/>
+                <a:tab pos="685800" algn="l"/>
+                <a:tab pos="1028700" algn="l"/>
+                <a:tab pos="1371600" algn="l"/>
+                <a:tab pos="1714500" algn="l"/>
+              </a:tabLst>
+            </a:pPr>
+            <a:r>
+              <a:rPr lang="en-US" sz="1800" b="1" dirty="0">
+                <a:solidFill>
+                  <a:srgbClr val="7F0055"/>
+                </a:solidFill>
+                <a:effectLst/>
+                <a:latin typeface="Consolas" panose="020B0609020204030204" pitchFamily="49" charset="0"/>
+                <a:ea typeface="Calibri" panose="020F0502020204030204" pitchFamily="34" charset="0"/>
+                <a:cs typeface="Consolas" panose="020B0609020204030204" pitchFamily="49" charset="0"/>
+              </a:rPr>
+              <a:t> </a:t>
+            </a:r>
+            <a:r>
+              <a:rPr lang="en-US" sz="1800" dirty="0">
+                <a:solidFill>
+                  <a:srgbClr val="808080"/>
+                </a:solidFill>
+                <a:effectLst/>
+                <a:latin typeface="Consolas" panose="020B0609020204030204" pitchFamily="49" charset="0"/>
+                <a:ea typeface="Calibri" panose="020F0502020204030204" pitchFamily="34" charset="0"/>
+                <a:cs typeface="Consolas" panose="020B0609020204030204" pitchFamily="49" charset="0"/>
+              </a:rPr>
+              <a:t>3</a:t>
+            </a:r>
+            <a:r>
+              <a:rPr lang="en-US" sz="1800" b="1" dirty="0">
+                <a:solidFill>
+                  <a:srgbClr val="7F0055"/>
+                </a:solidFill>
+                <a:effectLst/>
+                <a:latin typeface="Consolas" panose="020B0609020204030204" pitchFamily="49" charset="0"/>
+                <a:ea typeface="Calibri" panose="020F0502020204030204" pitchFamily="34" charset="0"/>
+                <a:cs typeface="Consolas" panose="020B0609020204030204" pitchFamily="49" charset="0"/>
+              </a:rPr>
+              <a:t>    context </a:t>
+            </a:r>
+            <a:r>
+              <a:rPr lang="en-US" sz="1800" b="1" dirty="0" err="1">
+                <a:solidFill>
+                  <a:srgbClr val="7F0055"/>
+                </a:solidFill>
+                <a:effectLst/>
+                <a:latin typeface="Consolas" panose="020B0609020204030204" pitchFamily="49" charset="0"/>
+                <a:ea typeface="Calibri" panose="020F0502020204030204" pitchFamily="34" charset="0"/>
+                <a:cs typeface="Consolas" panose="020B0609020204030204" pitchFamily="49" charset="0"/>
+              </a:rPr>
+              <a:t>Generated_By</a:t>
+            </a:r>
+            <a:r>
+              <a:rPr lang="en-US" sz="1800" b="1" dirty="0">
+                <a:solidFill>
+                  <a:srgbClr val="7F0055"/>
+                </a:solidFill>
+                <a:effectLst/>
+                <a:latin typeface="Consolas" panose="020B0609020204030204" pitchFamily="49" charset="0"/>
+                <a:ea typeface="Calibri" panose="020F0502020204030204" pitchFamily="34" charset="0"/>
+                <a:cs typeface="Consolas" panose="020B0609020204030204" pitchFamily="49" charset="0"/>
+              </a:rPr>
+              <a:t> : </a:t>
+            </a:r>
+            <a:r>
+              <a:rPr lang="en-US" sz="1800" dirty="0">
+                <a:solidFill>
+                  <a:srgbClr val="2A00FF"/>
+                </a:solidFill>
+                <a:effectLst/>
+                <a:latin typeface="Consolas" panose="020B0609020204030204" pitchFamily="49" charset="0"/>
+                <a:ea typeface="Calibri" panose="020F0502020204030204" pitchFamily="34" charset="0"/>
+                <a:cs typeface="Consolas" panose="020B0609020204030204" pitchFamily="49" charset="0"/>
+              </a:rPr>
+              <a:t>"</a:t>
+            </a:r>
+            <a:r>
+              <a:rPr lang="en-US" sz="1800" dirty="0" err="1">
+                <a:solidFill>
+                  <a:srgbClr val="2A00FF"/>
+                </a:solidFill>
+                <a:effectLst/>
+                <a:latin typeface="Consolas" panose="020B0609020204030204" pitchFamily="49" charset="0"/>
+                <a:ea typeface="Calibri" panose="020F0502020204030204" pitchFamily="34" charset="0"/>
+                <a:cs typeface="Consolas" panose="020B0609020204030204" pitchFamily="49" charset="0"/>
+              </a:rPr>
+              <a:t>GearCASE</a:t>
+            </a:r>
+            <a:r>
+              <a:rPr lang="en-US" sz="1800" dirty="0">
+                <a:solidFill>
+                  <a:srgbClr val="2A00FF"/>
+                </a:solidFill>
+                <a:effectLst/>
+                <a:latin typeface="Consolas" panose="020B0609020204030204" pitchFamily="49" charset="0"/>
+                <a:ea typeface="Calibri" panose="020F0502020204030204" pitchFamily="34" charset="0"/>
+                <a:cs typeface="Consolas" panose="020B0609020204030204" pitchFamily="49" charset="0"/>
+              </a:rPr>
+              <a:t>"</a:t>
+            </a:r>
+            <a:r>
+              <a:rPr lang="en-US" sz="1800" b="1" dirty="0">
+                <a:solidFill>
+                  <a:srgbClr val="7F0055"/>
+                </a:solidFill>
+                <a:effectLst/>
+                <a:latin typeface="Consolas" panose="020B0609020204030204" pitchFamily="49" charset="0"/>
+                <a:ea typeface="Calibri" panose="020F0502020204030204" pitchFamily="34" charset="0"/>
+                <a:cs typeface="Consolas" panose="020B0609020204030204" pitchFamily="49" charset="0"/>
+              </a:rPr>
+              <a:t>;</a:t>
+            </a:r>
+            <a:endParaRPr lang="en-US" sz="1800" dirty="0">
+              <a:effectLst/>
+              <a:latin typeface="Calibri" panose="020F0502020204030204" pitchFamily="34" charset="0"/>
+              <a:ea typeface="Calibri" panose="020F0502020204030204" pitchFamily="34" charset="0"/>
+              <a:cs typeface="Times New Roman" panose="02020603050405020304" pitchFamily="18" charset="0"/>
+            </a:endParaRPr>
+          </a:p>
+          <a:p>
+            <a:pPr marL="0" marR="0">
+              <a:lnSpc>
+                <a:spcPct val="107000"/>
+              </a:lnSpc>
+              <a:spcBef>
+                <a:spcPts val="0"/>
+              </a:spcBef>
+              <a:spcAft>
+                <a:spcPts val="0"/>
+              </a:spcAft>
+              <a:tabLst>
+                <a:tab pos="342900" algn="l"/>
+                <a:tab pos="685800" algn="l"/>
+                <a:tab pos="1028700" algn="l"/>
+                <a:tab pos="1371600" algn="l"/>
+                <a:tab pos="1714500" algn="l"/>
+              </a:tabLst>
+            </a:pPr>
+            <a:r>
+              <a:rPr lang="en-US" sz="1800" b="1" dirty="0">
+                <a:solidFill>
+                  <a:srgbClr val="7F0055"/>
+                </a:solidFill>
+                <a:effectLst/>
+                <a:latin typeface="Consolas" panose="020B0609020204030204" pitchFamily="49" charset="0"/>
+                <a:ea typeface="Calibri" panose="020F0502020204030204" pitchFamily="34" charset="0"/>
+                <a:cs typeface="Consolas" panose="020B0609020204030204" pitchFamily="49" charset="0"/>
+              </a:rPr>
+              <a:t> </a:t>
+            </a:r>
+            <a:r>
+              <a:rPr lang="en-US" sz="1800" dirty="0">
+                <a:solidFill>
+                  <a:srgbClr val="808080"/>
+                </a:solidFill>
+                <a:effectLst/>
+                <a:latin typeface="Consolas" panose="020B0609020204030204" pitchFamily="49" charset="0"/>
+                <a:ea typeface="Calibri" panose="020F0502020204030204" pitchFamily="34" charset="0"/>
+                <a:cs typeface="Consolas" panose="020B0609020204030204" pitchFamily="49" charset="0"/>
+              </a:rPr>
+              <a:t>4</a:t>
+            </a:r>
+            <a:r>
+              <a:rPr lang="en-US" sz="1800" b="1" dirty="0">
+                <a:solidFill>
+                  <a:srgbClr val="7F0055"/>
+                </a:solidFill>
+                <a:effectLst/>
+                <a:latin typeface="Consolas" panose="020B0609020204030204" pitchFamily="49" charset="0"/>
+                <a:ea typeface="Calibri" panose="020F0502020204030204" pitchFamily="34" charset="0"/>
+                <a:cs typeface="Consolas" panose="020B0609020204030204" pitchFamily="49" charset="0"/>
+              </a:rPr>
+              <a:t>    context </a:t>
+            </a:r>
+            <a:r>
+              <a:rPr lang="en-US" sz="1800" b="1" dirty="0" err="1">
+                <a:solidFill>
+                  <a:srgbClr val="7F0055"/>
+                </a:solidFill>
+                <a:effectLst/>
+                <a:latin typeface="Consolas" panose="020B0609020204030204" pitchFamily="49" charset="0"/>
+                <a:ea typeface="Calibri" panose="020F0502020204030204" pitchFamily="34" charset="0"/>
+                <a:cs typeface="Consolas" panose="020B0609020204030204" pitchFamily="49" charset="0"/>
+              </a:rPr>
+              <a:t>Generated_On</a:t>
+            </a:r>
+            <a:r>
+              <a:rPr lang="en-US" sz="1800" b="1" dirty="0">
+                <a:solidFill>
+                  <a:srgbClr val="7F0055"/>
+                </a:solidFill>
+                <a:effectLst/>
+                <a:latin typeface="Consolas" panose="020B0609020204030204" pitchFamily="49" charset="0"/>
+                <a:ea typeface="Calibri" panose="020F0502020204030204" pitchFamily="34" charset="0"/>
+                <a:cs typeface="Consolas" panose="020B0609020204030204" pitchFamily="49" charset="0"/>
+              </a:rPr>
+              <a:t> : </a:t>
+            </a:r>
+            <a:r>
+              <a:rPr lang="en-US" sz="1800" dirty="0">
+                <a:solidFill>
+                  <a:srgbClr val="2A00FF"/>
+                </a:solidFill>
+                <a:effectLst/>
+                <a:latin typeface="Consolas" panose="020B0609020204030204" pitchFamily="49" charset="0"/>
+                <a:ea typeface="Calibri" panose="020F0502020204030204" pitchFamily="34" charset="0"/>
+                <a:cs typeface="Consolas" panose="020B0609020204030204" pitchFamily="49" charset="0"/>
+              </a:rPr>
+              <a:t>"2022-09-09-180532"</a:t>
+            </a:r>
+            <a:r>
+              <a:rPr lang="en-US" sz="1800" b="1" dirty="0">
+                <a:solidFill>
+                  <a:srgbClr val="7F0055"/>
+                </a:solidFill>
+                <a:effectLst/>
+                <a:latin typeface="Consolas" panose="020B0609020204030204" pitchFamily="49" charset="0"/>
+                <a:ea typeface="Calibri" panose="020F0502020204030204" pitchFamily="34" charset="0"/>
+                <a:cs typeface="Consolas" panose="020B0609020204030204" pitchFamily="49" charset="0"/>
+              </a:rPr>
+              <a:t>;</a:t>
+            </a:r>
+            <a:endParaRPr lang="en-US" sz="1800" dirty="0">
+              <a:effectLst/>
+              <a:latin typeface="Calibri" panose="020F0502020204030204" pitchFamily="34" charset="0"/>
+              <a:ea typeface="Calibri" panose="020F0502020204030204" pitchFamily="34" charset="0"/>
+              <a:cs typeface="Times New Roman" panose="02020603050405020304" pitchFamily="18" charset="0"/>
+            </a:endParaRPr>
+          </a:p>
+          <a:p>
+            <a:pPr marL="0" marR="0">
+              <a:lnSpc>
+                <a:spcPct val="107000"/>
+              </a:lnSpc>
+              <a:spcBef>
+                <a:spcPts val="0"/>
+              </a:spcBef>
+              <a:spcAft>
+                <a:spcPts val="0"/>
+              </a:spcAft>
+              <a:tabLst>
+                <a:tab pos="342900" algn="l"/>
+                <a:tab pos="685800" algn="l"/>
+                <a:tab pos="1028700" algn="l"/>
+                <a:tab pos="1371600" algn="l"/>
+                <a:tab pos="1714500" algn="l"/>
+              </a:tabLst>
+            </a:pPr>
+            <a:r>
+              <a:rPr lang="en-US" sz="1800" b="1" dirty="0">
+                <a:solidFill>
+                  <a:srgbClr val="7F0055"/>
+                </a:solidFill>
+                <a:effectLst/>
+                <a:latin typeface="Consolas" panose="020B0609020204030204" pitchFamily="49" charset="0"/>
+                <a:ea typeface="Calibri" panose="020F0502020204030204" pitchFamily="34" charset="0"/>
+                <a:cs typeface="Consolas" panose="020B0609020204030204" pitchFamily="49" charset="0"/>
+              </a:rPr>
+              <a:t> </a:t>
+            </a:r>
+            <a:r>
+              <a:rPr lang="en-US" sz="1800" dirty="0">
+                <a:solidFill>
+                  <a:srgbClr val="808080"/>
+                </a:solidFill>
+                <a:effectLst/>
+                <a:latin typeface="Consolas" panose="020B0609020204030204" pitchFamily="49" charset="0"/>
+                <a:ea typeface="Calibri" panose="020F0502020204030204" pitchFamily="34" charset="0"/>
+                <a:cs typeface="Consolas" panose="020B0609020204030204" pitchFamily="49" charset="0"/>
+              </a:rPr>
+              <a:t>5</a:t>
+            </a:r>
+            <a:r>
+              <a:rPr lang="en-US" sz="1800" b="1" dirty="0">
+                <a:solidFill>
+                  <a:srgbClr val="7F0055"/>
+                </a:solidFill>
+                <a:effectLst/>
+                <a:latin typeface="Consolas" panose="020B0609020204030204" pitchFamily="49" charset="0"/>
+                <a:ea typeface="Calibri" panose="020F0502020204030204" pitchFamily="34" charset="0"/>
+                <a:cs typeface="Consolas" panose="020B0609020204030204" pitchFamily="49" charset="0"/>
+              </a:rPr>
+              <a:t>    context </a:t>
+            </a:r>
+            <a:r>
+              <a:rPr lang="en-US" sz="1800" b="1" dirty="0" err="1">
+                <a:solidFill>
+                  <a:srgbClr val="7F0055"/>
+                </a:solidFill>
+                <a:effectLst/>
+                <a:latin typeface="Consolas" panose="020B0609020204030204" pitchFamily="49" charset="0"/>
+                <a:ea typeface="Calibri" panose="020F0502020204030204" pitchFamily="34" charset="0"/>
+                <a:cs typeface="Consolas" panose="020B0609020204030204" pitchFamily="49" charset="0"/>
+              </a:rPr>
+              <a:t>Req_Component</a:t>
+            </a:r>
+            <a:r>
+              <a:rPr lang="en-US" sz="1800" b="1" dirty="0">
+                <a:solidFill>
+                  <a:srgbClr val="7F0055"/>
+                </a:solidFill>
+                <a:effectLst/>
+                <a:latin typeface="Consolas" panose="020B0609020204030204" pitchFamily="49" charset="0"/>
+                <a:ea typeface="Calibri" panose="020F0502020204030204" pitchFamily="34" charset="0"/>
+                <a:cs typeface="Consolas" panose="020B0609020204030204" pitchFamily="49" charset="0"/>
+              </a:rPr>
+              <a:t> : </a:t>
+            </a:r>
+            <a:r>
+              <a:rPr lang="en-US" sz="1800" dirty="0">
+                <a:solidFill>
+                  <a:srgbClr val="2A00FF"/>
+                </a:solidFill>
+                <a:effectLst/>
+                <a:latin typeface="Consolas" panose="020B0609020204030204" pitchFamily="49" charset="0"/>
+                <a:ea typeface="Calibri" panose="020F0502020204030204" pitchFamily="34" charset="0"/>
+                <a:cs typeface="Consolas" panose="020B0609020204030204" pitchFamily="49" charset="0"/>
+              </a:rPr>
+              <a:t>"SW::</a:t>
+            </a:r>
+            <a:r>
+              <a:rPr lang="en-US" sz="1800" dirty="0" err="1">
+                <a:solidFill>
+                  <a:srgbClr val="2A00FF"/>
+                </a:solidFill>
+                <a:effectLst/>
+                <a:latin typeface="Consolas" panose="020B0609020204030204" pitchFamily="49" charset="0"/>
+                <a:ea typeface="Calibri" panose="020F0502020204030204" pitchFamily="34" charset="0"/>
+                <a:cs typeface="Consolas" panose="020B0609020204030204" pitchFamily="49" charset="0"/>
+              </a:rPr>
+              <a:t>FlightPlanner</a:t>
+            </a:r>
+            <a:r>
+              <a:rPr lang="en-US" sz="1800" dirty="0">
+                <a:solidFill>
+                  <a:srgbClr val="2A00FF"/>
+                </a:solidFill>
+                <a:effectLst/>
+                <a:latin typeface="Consolas" panose="020B0609020204030204" pitchFamily="49" charset="0"/>
+                <a:ea typeface="Calibri" panose="020F0502020204030204" pitchFamily="34" charset="0"/>
+                <a:cs typeface="Consolas" panose="020B0609020204030204" pitchFamily="49" charset="0"/>
+              </a:rPr>
+              <a:t>"</a:t>
+            </a:r>
+            <a:r>
+              <a:rPr lang="en-US" sz="1800" b="1" dirty="0">
+                <a:solidFill>
+                  <a:srgbClr val="7F0055"/>
+                </a:solidFill>
+                <a:effectLst/>
+                <a:latin typeface="Consolas" panose="020B0609020204030204" pitchFamily="49" charset="0"/>
+                <a:ea typeface="Calibri" panose="020F0502020204030204" pitchFamily="34" charset="0"/>
+                <a:cs typeface="Consolas" panose="020B0609020204030204" pitchFamily="49" charset="0"/>
+              </a:rPr>
+              <a:t>;</a:t>
+            </a:r>
+            <a:endParaRPr lang="en-US" sz="1800" dirty="0">
+              <a:effectLst/>
+              <a:latin typeface="Calibri" panose="020F0502020204030204" pitchFamily="34" charset="0"/>
+              <a:ea typeface="Calibri" panose="020F0502020204030204" pitchFamily="34" charset="0"/>
+              <a:cs typeface="Times New Roman" panose="02020603050405020304" pitchFamily="18" charset="0"/>
+            </a:endParaRPr>
+          </a:p>
+          <a:p>
+            <a:pPr marL="0" marR="0">
+              <a:lnSpc>
+                <a:spcPct val="107000"/>
+              </a:lnSpc>
+              <a:spcBef>
+                <a:spcPts val="0"/>
+              </a:spcBef>
+              <a:spcAft>
+                <a:spcPts val="0"/>
+              </a:spcAft>
+              <a:tabLst>
+                <a:tab pos="342900" algn="l"/>
+                <a:tab pos="685800" algn="l"/>
+                <a:tab pos="1028700" algn="l"/>
+                <a:tab pos="1371600" algn="l"/>
+                <a:tab pos="1714500" algn="l"/>
+              </a:tabLst>
+            </a:pPr>
+            <a:r>
+              <a:rPr lang="en-US" sz="1800" b="1" dirty="0">
+                <a:solidFill>
+                  <a:srgbClr val="7F0055"/>
+                </a:solidFill>
+                <a:effectLst/>
+                <a:latin typeface="Consolas" panose="020B0609020204030204" pitchFamily="49" charset="0"/>
+                <a:ea typeface="Calibri" panose="020F0502020204030204" pitchFamily="34" charset="0"/>
+                <a:cs typeface="Consolas" panose="020B0609020204030204" pitchFamily="49" charset="0"/>
+              </a:rPr>
+              <a:t> </a:t>
+            </a:r>
+            <a:r>
+              <a:rPr lang="en-US" sz="1800" dirty="0">
+                <a:solidFill>
+                  <a:srgbClr val="808080"/>
+                </a:solidFill>
+                <a:effectLst/>
+                <a:latin typeface="Consolas" panose="020B0609020204030204" pitchFamily="49" charset="0"/>
+                <a:ea typeface="Calibri" panose="020F0502020204030204" pitchFamily="34" charset="0"/>
+                <a:cs typeface="Consolas" panose="020B0609020204030204" pitchFamily="49" charset="0"/>
+              </a:rPr>
+              <a:t>6</a:t>
+            </a:r>
+            <a:r>
+              <a:rPr lang="en-US" sz="1800" b="1" dirty="0">
+                <a:solidFill>
+                  <a:srgbClr val="7F0055"/>
+                </a:solidFill>
+                <a:effectLst/>
+                <a:latin typeface="Consolas" panose="020B0609020204030204" pitchFamily="49" charset="0"/>
+                <a:ea typeface="Calibri" panose="020F0502020204030204" pitchFamily="34" charset="0"/>
+                <a:cs typeface="Consolas" panose="020B0609020204030204" pitchFamily="49" charset="0"/>
+              </a:rPr>
+              <a:t>    undeveloped</a:t>
+            </a:r>
+            <a:endParaRPr lang="en-US" sz="1800" dirty="0">
+              <a:effectLst/>
+              <a:latin typeface="Calibri" panose="020F0502020204030204" pitchFamily="34" charset="0"/>
+              <a:ea typeface="Calibri" panose="020F0502020204030204" pitchFamily="34" charset="0"/>
+              <a:cs typeface="Times New Roman" panose="02020603050405020304" pitchFamily="18" charset="0"/>
+            </a:endParaRPr>
+          </a:p>
+          <a:p>
+            <a:pPr marL="0" marR="0">
+              <a:lnSpc>
+                <a:spcPct val="107000"/>
+              </a:lnSpc>
+              <a:spcBef>
+                <a:spcPts val="0"/>
+              </a:spcBef>
+              <a:spcAft>
+                <a:spcPts val="0"/>
+              </a:spcAft>
+              <a:tabLst>
+                <a:tab pos="342900" algn="l"/>
+                <a:tab pos="685800" algn="l"/>
+                <a:tab pos="1028700" algn="l"/>
+                <a:tab pos="1371600" algn="l"/>
+                <a:tab pos="1714500" algn="l"/>
+              </a:tabLst>
+            </a:pPr>
+            <a:r>
+              <a:rPr lang="en-US" sz="1800" b="1" dirty="0">
+                <a:solidFill>
+                  <a:srgbClr val="7F0055"/>
+                </a:solidFill>
+                <a:effectLst/>
+                <a:latin typeface="Consolas" panose="020B0609020204030204" pitchFamily="49" charset="0"/>
+                <a:ea typeface="Calibri" panose="020F0502020204030204" pitchFamily="34" charset="0"/>
+                <a:cs typeface="Consolas" panose="020B0609020204030204" pitchFamily="49" charset="0"/>
+              </a:rPr>
+              <a:t> </a:t>
+            </a:r>
+            <a:endParaRPr lang="en-US" sz="1800" dirty="0">
+              <a:effectLst/>
+              <a:latin typeface="Calibri" panose="020F0502020204030204" pitchFamily="34" charset="0"/>
+              <a:ea typeface="Calibri" panose="020F0502020204030204" pitchFamily="34" charset="0"/>
+              <a:cs typeface="Times New Roman" panose="02020603050405020304" pitchFamily="18" charset="0"/>
+            </a:endParaRPr>
+          </a:p>
+          <a:p>
+            <a:pPr marL="0" marR="0">
+              <a:lnSpc>
+                <a:spcPct val="107000"/>
+              </a:lnSpc>
+              <a:spcBef>
+                <a:spcPts val="0"/>
+              </a:spcBef>
+              <a:spcAft>
+                <a:spcPts val="0"/>
+              </a:spcAft>
+              <a:tabLst>
+                <a:tab pos="342900" algn="l"/>
+                <a:tab pos="685800" algn="l"/>
+                <a:tab pos="1028700" algn="l"/>
+                <a:tab pos="1371600" algn="l"/>
+                <a:tab pos="1714500" algn="l"/>
+              </a:tabLst>
+            </a:pPr>
+            <a:r>
+              <a:rPr lang="en-US" sz="1800" dirty="0">
+                <a:solidFill>
+                  <a:srgbClr val="808080"/>
+                </a:solidFill>
+                <a:effectLst/>
+                <a:latin typeface="Consolas" panose="020B0609020204030204" pitchFamily="49" charset="0"/>
+                <a:ea typeface="Calibri" panose="020F0502020204030204" pitchFamily="34" charset="0"/>
+                <a:cs typeface="Consolas" panose="020B0609020204030204" pitchFamily="49" charset="0"/>
+              </a:rPr>
+              <a:t> 1</a:t>
+            </a:r>
+            <a:r>
+              <a:rPr lang="en-US" sz="1800" b="1" dirty="0">
+                <a:solidFill>
+                  <a:srgbClr val="7F0055"/>
+                </a:solidFill>
+                <a:effectLst/>
+                <a:latin typeface="Consolas" panose="020B0609020204030204" pitchFamily="49" charset="0"/>
+                <a:ea typeface="Calibri" panose="020F0502020204030204" pitchFamily="34" charset="0"/>
+                <a:cs typeface="Consolas" panose="020B0609020204030204" pitchFamily="49" charset="0"/>
+              </a:rPr>
+              <a:t>  goal </a:t>
+            </a:r>
+            <a:r>
+              <a:rPr lang="en-US" sz="1800" b="1" dirty="0" err="1">
+                <a:solidFill>
+                  <a:srgbClr val="7F0055"/>
+                </a:solidFill>
+                <a:effectLst/>
+                <a:latin typeface="Consolas" panose="020B0609020204030204" pitchFamily="49" charset="0"/>
+                <a:ea typeface="Calibri" panose="020F0502020204030204" pitchFamily="34" charset="0"/>
+                <a:cs typeface="Consolas" panose="020B0609020204030204" pitchFamily="49" charset="0"/>
+              </a:rPr>
+              <a:t>Req_Filter</a:t>
+            </a:r>
+            <a:r>
+              <a:rPr lang="en-US" sz="1800" b="1" dirty="0">
+                <a:solidFill>
+                  <a:srgbClr val="7F0055"/>
+                </a:solidFill>
+                <a:effectLst/>
+                <a:latin typeface="Consolas" panose="020B0609020204030204" pitchFamily="49" charset="0"/>
+                <a:ea typeface="Calibri" panose="020F0502020204030204" pitchFamily="34" charset="0"/>
+                <a:cs typeface="Consolas" panose="020B0609020204030204" pitchFamily="49" charset="0"/>
+              </a:rPr>
+              <a:t>() &lt;=</a:t>
+            </a:r>
+            <a:endParaRPr lang="en-US" sz="1800" dirty="0">
+              <a:effectLst/>
+              <a:latin typeface="Calibri" panose="020F0502020204030204" pitchFamily="34" charset="0"/>
+              <a:ea typeface="Calibri" panose="020F0502020204030204" pitchFamily="34" charset="0"/>
+              <a:cs typeface="Times New Roman" panose="02020603050405020304" pitchFamily="18" charset="0"/>
+            </a:endParaRPr>
+          </a:p>
+          <a:p>
+            <a:pPr marL="0" marR="0">
+              <a:lnSpc>
+                <a:spcPct val="107000"/>
+              </a:lnSpc>
+              <a:spcBef>
+                <a:spcPts val="0"/>
+              </a:spcBef>
+              <a:spcAft>
+                <a:spcPts val="0"/>
+              </a:spcAft>
+              <a:tabLst>
+                <a:tab pos="342900" algn="l"/>
+                <a:tab pos="685800" algn="l"/>
+                <a:tab pos="1028700" algn="l"/>
+                <a:tab pos="1371600" algn="l"/>
+                <a:tab pos="1714500" algn="l"/>
+              </a:tabLst>
+            </a:pPr>
+            <a:r>
+              <a:rPr lang="en-US" sz="1800" b="1" dirty="0">
+                <a:solidFill>
+                  <a:srgbClr val="7F0055"/>
+                </a:solidFill>
+                <a:effectLst/>
+                <a:latin typeface="Consolas" panose="020B0609020204030204" pitchFamily="49" charset="0"/>
+                <a:ea typeface="Calibri" panose="020F0502020204030204" pitchFamily="34" charset="0"/>
+                <a:cs typeface="Consolas" panose="020B0609020204030204" pitchFamily="49" charset="0"/>
+              </a:rPr>
+              <a:t> </a:t>
+            </a:r>
+            <a:r>
+              <a:rPr lang="en-US" sz="1800" dirty="0">
+                <a:solidFill>
+                  <a:srgbClr val="808080"/>
+                </a:solidFill>
+                <a:effectLst/>
+                <a:latin typeface="Consolas" panose="020B0609020204030204" pitchFamily="49" charset="0"/>
+                <a:ea typeface="Calibri" panose="020F0502020204030204" pitchFamily="34" charset="0"/>
+                <a:cs typeface="Consolas" panose="020B0609020204030204" pitchFamily="49" charset="0"/>
+              </a:rPr>
+              <a:t>2</a:t>
+            </a:r>
+            <a:r>
+              <a:rPr lang="en-US" sz="1800" b="1" dirty="0">
+                <a:solidFill>
+                  <a:srgbClr val="7F0055"/>
+                </a:solidFill>
+                <a:effectLst/>
+                <a:latin typeface="Consolas" panose="020B0609020204030204" pitchFamily="49" charset="0"/>
+                <a:ea typeface="Calibri" panose="020F0502020204030204" pitchFamily="34" charset="0"/>
+                <a:cs typeface="Consolas" panose="020B0609020204030204" pitchFamily="49" charset="0"/>
+              </a:rPr>
+              <a:t>    ** </a:t>
+            </a:r>
+            <a:r>
+              <a:rPr lang="en-US" sz="1800" dirty="0">
+                <a:solidFill>
+                  <a:srgbClr val="2A00FF"/>
+                </a:solidFill>
+                <a:effectLst/>
+                <a:latin typeface="Consolas" panose="020B0609020204030204" pitchFamily="49" charset="0"/>
+                <a:ea typeface="Calibri" panose="020F0502020204030204" pitchFamily="34" charset="0"/>
+                <a:cs typeface="Consolas" panose="020B0609020204030204" pitchFamily="49" charset="0"/>
+              </a:rPr>
+              <a:t>"Messages shall be well-formed"</a:t>
+            </a:r>
+            <a:r>
+              <a:rPr lang="en-US" sz="1800" b="1" dirty="0">
+                <a:solidFill>
+                  <a:srgbClr val="7F0055"/>
+                </a:solidFill>
+                <a:effectLst/>
+                <a:latin typeface="Consolas" panose="020B0609020204030204" pitchFamily="49" charset="0"/>
+                <a:ea typeface="Calibri" panose="020F0502020204030204" pitchFamily="34" charset="0"/>
+                <a:cs typeface="Consolas" panose="020B0609020204030204" pitchFamily="49" charset="0"/>
+              </a:rPr>
+              <a:t> **</a:t>
+            </a:r>
+            <a:endParaRPr lang="en-US" sz="1800" dirty="0">
+              <a:effectLst/>
+              <a:latin typeface="Calibri" panose="020F0502020204030204" pitchFamily="34" charset="0"/>
+              <a:ea typeface="Calibri" panose="020F0502020204030204" pitchFamily="34" charset="0"/>
+              <a:cs typeface="Times New Roman" panose="02020603050405020304" pitchFamily="18" charset="0"/>
+            </a:endParaRPr>
+          </a:p>
+          <a:p>
+            <a:pPr marL="0" marR="0">
+              <a:lnSpc>
+                <a:spcPct val="107000"/>
+              </a:lnSpc>
+              <a:spcBef>
+                <a:spcPts val="0"/>
+              </a:spcBef>
+              <a:spcAft>
+                <a:spcPts val="0"/>
+              </a:spcAft>
+              <a:tabLst>
+                <a:tab pos="342900" algn="l"/>
+                <a:tab pos="685800" algn="l"/>
+                <a:tab pos="1028700" algn="l"/>
+                <a:tab pos="1371600" algn="l"/>
+                <a:tab pos="1714500" algn="l"/>
+              </a:tabLst>
+            </a:pPr>
+            <a:r>
+              <a:rPr lang="en-US" sz="1800" b="1" dirty="0">
+                <a:solidFill>
+                  <a:srgbClr val="7F0055"/>
+                </a:solidFill>
+                <a:effectLst/>
+                <a:latin typeface="Consolas" panose="020B0609020204030204" pitchFamily="49" charset="0"/>
+                <a:ea typeface="Calibri" panose="020F0502020204030204" pitchFamily="34" charset="0"/>
+                <a:cs typeface="Consolas" panose="020B0609020204030204" pitchFamily="49" charset="0"/>
+              </a:rPr>
+              <a:t> </a:t>
+            </a:r>
+            <a:r>
+              <a:rPr lang="en-US" sz="1800" dirty="0">
+                <a:solidFill>
+                  <a:srgbClr val="808080"/>
+                </a:solidFill>
+                <a:effectLst/>
+                <a:latin typeface="Consolas" panose="020B0609020204030204" pitchFamily="49" charset="0"/>
+                <a:ea typeface="Calibri" panose="020F0502020204030204" pitchFamily="34" charset="0"/>
+                <a:cs typeface="Consolas" panose="020B0609020204030204" pitchFamily="49" charset="0"/>
+              </a:rPr>
+              <a:t>3</a:t>
+            </a:r>
+            <a:r>
+              <a:rPr lang="en-US" sz="1800" b="1" dirty="0">
+                <a:solidFill>
+                  <a:srgbClr val="7F0055"/>
+                </a:solidFill>
+                <a:effectLst/>
+                <a:latin typeface="Consolas" panose="020B0609020204030204" pitchFamily="49" charset="0"/>
+                <a:ea typeface="Calibri" panose="020F0502020204030204" pitchFamily="34" charset="0"/>
+                <a:cs typeface="Consolas" panose="020B0609020204030204" pitchFamily="49" charset="0"/>
+              </a:rPr>
+              <a:t>    context </a:t>
+            </a:r>
+            <a:r>
+              <a:rPr lang="en-US" sz="1800" b="1" dirty="0" err="1">
+                <a:solidFill>
+                  <a:srgbClr val="7F0055"/>
+                </a:solidFill>
+                <a:effectLst/>
+                <a:latin typeface="Consolas" panose="020B0609020204030204" pitchFamily="49" charset="0"/>
+                <a:ea typeface="Calibri" panose="020F0502020204030204" pitchFamily="34" charset="0"/>
+                <a:cs typeface="Consolas" panose="020B0609020204030204" pitchFamily="49" charset="0"/>
+              </a:rPr>
+              <a:t>Generated_By</a:t>
+            </a:r>
+            <a:r>
+              <a:rPr lang="en-US" sz="1800" b="1" dirty="0">
+                <a:solidFill>
+                  <a:srgbClr val="7F0055"/>
+                </a:solidFill>
+                <a:effectLst/>
+                <a:latin typeface="Consolas" panose="020B0609020204030204" pitchFamily="49" charset="0"/>
+                <a:ea typeface="Calibri" panose="020F0502020204030204" pitchFamily="34" charset="0"/>
+                <a:cs typeface="Consolas" panose="020B0609020204030204" pitchFamily="49" charset="0"/>
+              </a:rPr>
+              <a:t> : </a:t>
+            </a:r>
+            <a:r>
+              <a:rPr lang="en-US" sz="1800" dirty="0">
+                <a:solidFill>
+                  <a:srgbClr val="2A00FF"/>
+                </a:solidFill>
+                <a:effectLst/>
+                <a:latin typeface="Consolas" panose="020B0609020204030204" pitchFamily="49" charset="0"/>
+                <a:ea typeface="Calibri" panose="020F0502020204030204" pitchFamily="34" charset="0"/>
+                <a:cs typeface="Consolas" panose="020B0609020204030204" pitchFamily="49" charset="0"/>
+              </a:rPr>
+              <a:t>"</a:t>
+            </a:r>
+            <a:r>
+              <a:rPr lang="en-US" sz="1800" dirty="0" err="1">
+                <a:solidFill>
+                  <a:srgbClr val="2A00FF"/>
+                </a:solidFill>
+                <a:effectLst/>
+                <a:latin typeface="Consolas" panose="020B0609020204030204" pitchFamily="49" charset="0"/>
+                <a:ea typeface="Calibri" panose="020F0502020204030204" pitchFamily="34" charset="0"/>
+                <a:cs typeface="Consolas" panose="020B0609020204030204" pitchFamily="49" charset="0"/>
+              </a:rPr>
+              <a:t>GearCASE</a:t>
+            </a:r>
+            <a:r>
+              <a:rPr lang="en-US" sz="1800" dirty="0">
+                <a:solidFill>
+                  <a:srgbClr val="2A00FF"/>
+                </a:solidFill>
+                <a:effectLst/>
+                <a:latin typeface="Consolas" panose="020B0609020204030204" pitchFamily="49" charset="0"/>
+                <a:ea typeface="Calibri" panose="020F0502020204030204" pitchFamily="34" charset="0"/>
+                <a:cs typeface="Consolas" panose="020B0609020204030204" pitchFamily="49" charset="0"/>
+              </a:rPr>
+              <a:t>"</a:t>
+            </a:r>
+            <a:r>
+              <a:rPr lang="en-US" sz="1800" b="1" dirty="0">
+                <a:solidFill>
+                  <a:srgbClr val="7F0055"/>
+                </a:solidFill>
+                <a:effectLst/>
+                <a:latin typeface="Consolas" panose="020B0609020204030204" pitchFamily="49" charset="0"/>
+                <a:ea typeface="Calibri" panose="020F0502020204030204" pitchFamily="34" charset="0"/>
+                <a:cs typeface="Consolas" panose="020B0609020204030204" pitchFamily="49" charset="0"/>
+              </a:rPr>
+              <a:t>;</a:t>
+            </a:r>
+            <a:endParaRPr lang="en-US" sz="1800" dirty="0">
+              <a:effectLst/>
+              <a:latin typeface="Calibri" panose="020F0502020204030204" pitchFamily="34" charset="0"/>
+              <a:ea typeface="Calibri" panose="020F0502020204030204" pitchFamily="34" charset="0"/>
+              <a:cs typeface="Times New Roman" panose="02020603050405020304" pitchFamily="18" charset="0"/>
+            </a:endParaRPr>
+          </a:p>
+          <a:p>
+            <a:pPr marL="0" marR="0">
+              <a:lnSpc>
+                <a:spcPct val="107000"/>
+              </a:lnSpc>
+              <a:spcBef>
+                <a:spcPts val="0"/>
+              </a:spcBef>
+              <a:spcAft>
+                <a:spcPts val="0"/>
+              </a:spcAft>
+              <a:tabLst>
+                <a:tab pos="342900" algn="l"/>
+                <a:tab pos="685800" algn="l"/>
+                <a:tab pos="1028700" algn="l"/>
+                <a:tab pos="1371600" algn="l"/>
+                <a:tab pos="1714500" algn="l"/>
+              </a:tabLst>
+            </a:pPr>
+            <a:r>
+              <a:rPr lang="en-US" sz="1800" b="1" dirty="0">
+                <a:solidFill>
+                  <a:srgbClr val="7F0055"/>
+                </a:solidFill>
+                <a:effectLst/>
+                <a:latin typeface="Consolas" panose="020B0609020204030204" pitchFamily="49" charset="0"/>
+                <a:ea typeface="Calibri" panose="020F0502020204030204" pitchFamily="34" charset="0"/>
+                <a:cs typeface="Consolas" panose="020B0609020204030204" pitchFamily="49" charset="0"/>
+              </a:rPr>
+              <a:t> </a:t>
+            </a:r>
+            <a:r>
+              <a:rPr lang="en-US" sz="1800" dirty="0">
+                <a:solidFill>
+                  <a:srgbClr val="808080"/>
+                </a:solidFill>
+                <a:effectLst/>
+                <a:latin typeface="Consolas" panose="020B0609020204030204" pitchFamily="49" charset="0"/>
+                <a:ea typeface="Calibri" panose="020F0502020204030204" pitchFamily="34" charset="0"/>
+                <a:cs typeface="Consolas" panose="020B0609020204030204" pitchFamily="49" charset="0"/>
+              </a:rPr>
+              <a:t>4</a:t>
+            </a:r>
+            <a:r>
+              <a:rPr lang="en-US" sz="1800" b="1" dirty="0">
+                <a:solidFill>
+                  <a:srgbClr val="7F0055"/>
+                </a:solidFill>
+                <a:effectLst/>
+                <a:latin typeface="Consolas" panose="020B0609020204030204" pitchFamily="49" charset="0"/>
+                <a:ea typeface="Calibri" panose="020F0502020204030204" pitchFamily="34" charset="0"/>
+                <a:cs typeface="Consolas" panose="020B0609020204030204" pitchFamily="49" charset="0"/>
+              </a:rPr>
+              <a:t>    context </a:t>
+            </a:r>
+            <a:r>
+              <a:rPr lang="en-US" sz="1800" b="1" dirty="0" err="1">
+                <a:solidFill>
+                  <a:srgbClr val="7F0055"/>
+                </a:solidFill>
+                <a:effectLst/>
+                <a:latin typeface="Consolas" panose="020B0609020204030204" pitchFamily="49" charset="0"/>
+                <a:ea typeface="Calibri" panose="020F0502020204030204" pitchFamily="34" charset="0"/>
+                <a:cs typeface="Consolas" panose="020B0609020204030204" pitchFamily="49" charset="0"/>
+              </a:rPr>
+              <a:t>Generated_On</a:t>
+            </a:r>
+            <a:r>
+              <a:rPr lang="en-US" sz="1800" b="1" dirty="0">
+                <a:solidFill>
+                  <a:srgbClr val="7F0055"/>
+                </a:solidFill>
+                <a:effectLst/>
+                <a:latin typeface="Consolas" panose="020B0609020204030204" pitchFamily="49" charset="0"/>
+                <a:ea typeface="Calibri" panose="020F0502020204030204" pitchFamily="34" charset="0"/>
+                <a:cs typeface="Consolas" panose="020B0609020204030204" pitchFamily="49" charset="0"/>
+              </a:rPr>
+              <a:t> : </a:t>
+            </a:r>
+            <a:r>
+              <a:rPr lang="en-US" sz="1800" dirty="0">
+                <a:solidFill>
+                  <a:srgbClr val="2A00FF"/>
+                </a:solidFill>
+                <a:effectLst/>
+                <a:latin typeface="Consolas" panose="020B0609020204030204" pitchFamily="49" charset="0"/>
+                <a:ea typeface="Calibri" panose="020F0502020204030204" pitchFamily="34" charset="0"/>
+                <a:cs typeface="Consolas" panose="020B0609020204030204" pitchFamily="49" charset="0"/>
+              </a:rPr>
+              <a:t>"2022-09-09-180532"</a:t>
+            </a:r>
+            <a:r>
+              <a:rPr lang="en-US" sz="1800" b="1" dirty="0">
+                <a:solidFill>
+                  <a:srgbClr val="7F0055"/>
+                </a:solidFill>
+                <a:effectLst/>
+                <a:latin typeface="Consolas" panose="020B0609020204030204" pitchFamily="49" charset="0"/>
+                <a:ea typeface="Calibri" panose="020F0502020204030204" pitchFamily="34" charset="0"/>
+                <a:cs typeface="Consolas" panose="020B0609020204030204" pitchFamily="49" charset="0"/>
+              </a:rPr>
+              <a:t>;</a:t>
+            </a:r>
+            <a:endParaRPr lang="en-US" sz="1800" dirty="0">
+              <a:effectLst/>
+              <a:latin typeface="Calibri" panose="020F0502020204030204" pitchFamily="34" charset="0"/>
+              <a:ea typeface="Calibri" panose="020F0502020204030204" pitchFamily="34" charset="0"/>
+              <a:cs typeface="Times New Roman" panose="02020603050405020304" pitchFamily="18" charset="0"/>
+            </a:endParaRPr>
+          </a:p>
+          <a:p>
+            <a:pPr marL="0" marR="0">
+              <a:lnSpc>
+                <a:spcPct val="107000"/>
+              </a:lnSpc>
+              <a:spcBef>
+                <a:spcPts val="0"/>
+              </a:spcBef>
+              <a:spcAft>
+                <a:spcPts val="0"/>
+              </a:spcAft>
+              <a:tabLst>
+                <a:tab pos="342900" algn="l"/>
+                <a:tab pos="685800" algn="l"/>
+                <a:tab pos="1028700" algn="l"/>
+                <a:tab pos="1371600" algn="l"/>
+                <a:tab pos="1714500" algn="l"/>
+              </a:tabLst>
+            </a:pPr>
+            <a:r>
+              <a:rPr lang="en-US" sz="1800" b="1" dirty="0">
+                <a:solidFill>
+                  <a:srgbClr val="7F0055"/>
+                </a:solidFill>
+                <a:effectLst/>
+                <a:latin typeface="Consolas" panose="020B0609020204030204" pitchFamily="49" charset="0"/>
+                <a:ea typeface="Calibri" panose="020F0502020204030204" pitchFamily="34" charset="0"/>
+                <a:cs typeface="Consolas" panose="020B0609020204030204" pitchFamily="49" charset="0"/>
+              </a:rPr>
+              <a:t> </a:t>
+            </a:r>
+            <a:r>
+              <a:rPr lang="en-US" sz="1800" dirty="0">
+                <a:solidFill>
+                  <a:srgbClr val="808080"/>
+                </a:solidFill>
+                <a:effectLst/>
+                <a:latin typeface="Consolas" panose="020B0609020204030204" pitchFamily="49" charset="0"/>
+                <a:ea typeface="Calibri" panose="020F0502020204030204" pitchFamily="34" charset="0"/>
+                <a:cs typeface="Consolas" panose="020B0609020204030204" pitchFamily="49" charset="0"/>
+              </a:rPr>
+              <a:t>5</a:t>
+            </a:r>
+            <a:r>
+              <a:rPr lang="en-US" sz="1800" b="1" dirty="0">
+                <a:solidFill>
+                  <a:srgbClr val="7F0055"/>
+                </a:solidFill>
+                <a:effectLst/>
+                <a:latin typeface="Consolas" panose="020B0609020204030204" pitchFamily="49" charset="0"/>
+                <a:ea typeface="Calibri" panose="020F0502020204030204" pitchFamily="34" charset="0"/>
+                <a:cs typeface="Consolas" panose="020B0609020204030204" pitchFamily="49" charset="0"/>
+              </a:rPr>
+              <a:t>    context </a:t>
+            </a:r>
+            <a:r>
+              <a:rPr lang="en-US" sz="1800" b="1" dirty="0" err="1">
+                <a:solidFill>
+                  <a:srgbClr val="7F0055"/>
+                </a:solidFill>
+                <a:effectLst/>
+                <a:latin typeface="Consolas" panose="020B0609020204030204" pitchFamily="49" charset="0"/>
+                <a:ea typeface="Calibri" panose="020F0502020204030204" pitchFamily="34" charset="0"/>
+                <a:cs typeface="Consolas" panose="020B0609020204030204" pitchFamily="49" charset="0"/>
+              </a:rPr>
+              <a:t>Req_Component</a:t>
+            </a:r>
+            <a:r>
+              <a:rPr lang="en-US" sz="1800" b="1" dirty="0">
+                <a:solidFill>
+                  <a:srgbClr val="7F0055"/>
+                </a:solidFill>
+                <a:effectLst/>
+                <a:latin typeface="Consolas" panose="020B0609020204030204" pitchFamily="49" charset="0"/>
+                <a:ea typeface="Calibri" panose="020F0502020204030204" pitchFamily="34" charset="0"/>
+                <a:cs typeface="Consolas" panose="020B0609020204030204" pitchFamily="49" charset="0"/>
+              </a:rPr>
+              <a:t> : </a:t>
+            </a:r>
+            <a:r>
+              <a:rPr lang="en-US" sz="1800" dirty="0">
+                <a:solidFill>
+                  <a:srgbClr val="2A00FF"/>
+                </a:solidFill>
+                <a:effectLst/>
+                <a:latin typeface="Consolas" panose="020B0609020204030204" pitchFamily="49" charset="0"/>
+                <a:ea typeface="Calibri" panose="020F0502020204030204" pitchFamily="34" charset="0"/>
+                <a:cs typeface="Consolas" panose="020B0609020204030204" pitchFamily="49" charset="0"/>
+              </a:rPr>
+              <a:t>"</a:t>
+            </a:r>
+            <a:r>
+              <a:rPr lang="en-US" sz="1800" dirty="0" err="1">
+                <a:solidFill>
+                  <a:srgbClr val="2A00FF"/>
+                </a:solidFill>
+                <a:effectLst/>
+                <a:latin typeface="Consolas" panose="020B0609020204030204" pitchFamily="49" charset="0"/>
+                <a:ea typeface="Calibri" panose="020F0502020204030204" pitchFamily="34" charset="0"/>
+                <a:cs typeface="Consolas" panose="020B0609020204030204" pitchFamily="49" charset="0"/>
+              </a:rPr>
+              <a:t>SW.FlightPlanner</a:t>
+            </a:r>
+            <a:r>
+              <a:rPr lang="en-US" sz="1800" dirty="0">
+                <a:solidFill>
+                  <a:srgbClr val="2A00FF"/>
+                </a:solidFill>
+                <a:effectLst/>
+                <a:latin typeface="Consolas" panose="020B0609020204030204" pitchFamily="49" charset="0"/>
+                <a:ea typeface="Calibri" panose="020F0502020204030204" pitchFamily="34" charset="0"/>
+                <a:cs typeface="Consolas" panose="020B0609020204030204" pitchFamily="49" charset="0"/>
+              </a:rPr>
+              <a:t>"</a:t>
+            </a:r>
+            <a:r>
+              <a:rPr lang="en-US" sz="1800" b="1" dirty="0">
+                <a:solidFill>
+                  <a:srgbClr val="7F0055"/>
+                </a:solidFill>
+                <a:effectLst/>
+                <a:latin typeface="Consolas" panose="020B0609020204030204" pitchFamily="49" charset="0"/>
+                <a:ea typeface="Calibri" panose="020F0502020204030204" pitchFamily="34" charset="0"/>
+                <a:cs typeface="Consolas" panose="020B0609020204030204" pitchFamily="49" charset="0"/>
+              </a:rPr>
+              <a:t>;</a:t>
+            </a:r>
+            <a:endParaRPr lang="en-US" sz="1800" dirty="0">
+              <a:effectLst/>
+              <a:latin typeface="Calibri" panose="020F0502020204030204" pitchFamily="34" charset="0"/>
+              <a:ea typeface="Calibri" panose="020F0502020204030204" pitchFamily="34" charset="0"/>
+              <a:cs typeface="Times New Roman" panose="02020603050405020304" pitchFamily="18" charset="0"/>
+            </a:endParaRPr>
+          </a:p>
+          <a:p>
+            <a:pPr marL="0" marR="0">
+              <a:lnSpc>
+                <a:spcPct val="107000"/>
+              </a:lnSpc>
+              <a:spcBef>
+                <a:spcPts val="0"/>
+              </a:spcBef>
+              <a:spcAft>
+                <a:spcPts val="0"/>
+              </a:spcAft>
+              <a:tabLst>
+                <a:tab pos="342900" algn="l"/>
+                <a:tab pos="685800" algn="l"/>
+                <a:tab pos="1028700" algn="l"/>
+                <a:tab pos="1371600" algn="l"/>
+                <a:tab pos="1714500" algn="l"/>
+              </a:tabLst>
+            </a:pPr>
+            <a:r>
+              <a:rPr lang="en-US" sz="1800" b="1" dirty="0">
+                <a:solidFill>
+                  <a:srgbClr val="7F0055"/>
+                </a:solidFill>
+                <a:effectLst/>
+                <a:latin typeface="Consolas" panose="020B0609020204030204" pitchFamily="49" charset="0"/>
+                <a:ea typeface="Calibri" panose="020F0502020204030204" pitchFamily="34" charset="0"/>
+                <a:cs typeface="Consolas" panose="020B0609020204030204" pitchFamily="49" charset="0"/>
+              </a:rPr>
+              <a:t> </a:t>
+            </a:r>
+            <a:r>
+              <a:rPr lang="en-US" sz="1800" dirty="0">
+                <a:solidFill>
+                  <a:srgbClr val="808080"/>
+                </a:solidFill>
+                <a:effectLst/>
+                <a:latin typeface="Consolas" panose="020B0609020204030204" pitchFamily="49" charset="0"/>
+                <a:ea typeface="Calibri" panose="020F0502020204030204" pitchFamily="34" charset="0"/>
+                <a:cs typeface="Consolas" panose="020B0609020204030204" pitchFamily="49" charset="0"/>
+              </a:rPr>
+              <a:t>6</a:t>
+            </a:r>
+            <a:r>
+              <a:rPr lang="en-US" sz="1800" b="1" dirty="0">
+                <a:solidFill>
+                  <a:srgbClr val="7F0055"/>
+                </a:solidFill>
+                <a:effectLst/>
+                <a:latin typeface="Consolas" panose="020B0609020204030204" pitchFamily="49" charset="0"/>
+                <a:ea typeface="Calibri" panose="020F0502020204030204" pitchFamily="34" charset="0"/>
+                <a:cs typeface="Consolas" panose="020B0609020204030204" pitchFamily="49" charset="0"/>
+              </a:rPr>
+              <a:t>    </a:t>
+            </a:r>
+            <a:r>
+              <a:rPr lang="en-US" sz="1800" dirty="0" err="1">
+                <a:effectLst/>
+                <a:latin typeface="Consolas" panose="020B0609020204030204" pitchFamily="49" charset="0"/>
+                <a:ea typeface="Calibri" panose="020F0502020204030204" pitchFamily="34" charset="0"/>
+                <a:cs typeface="Consolas" panose="020B0609020204030204" pitchFamily="49" charset="0"/>
+              </a:rPr>
+              <a:t>agree_property_checked</a:t>
+            </a:r>
+            <a:r>
+              <a:rPr lang="en-US" sz="1800" b="1" dirty="0">
+                <a:solidFill>
+                  <a:srgbClr val="7F0055"/>
+                </a:solidFill>
+                <a:effectLst/>
+                <a:latin typeface="Consolas" panose="020B0609020204030204" pitchFamily="49" charset="0"/>
+                <a:ea typeface="Calibri" panose="020F0502020204030204" pitchFamily="34" charset="0"/>
+                <a:cs typeface="Consolas" panose="020B0609020204030204" pitchFamily="49" charset="0"/>
+              </a:rPr>
+              <a:t>(</a:t>
+            </a:r>
+            <a:r>
+              <a:rPr lang="en-US" sz="1800" dirty="0">
+                <a:solidFill>
+                  <a:srgbClr val="2A00FF"/>
+                </a:solidFill>
+                <a:effectLst/>
+                <a:latin typeface="Consolas" panose="020B0609020204030204" pitchFamily="49" charset="0"/>
+                <a:ea typeface="Calibri" panose="020F0502020204030204" pitchFamily="34" charset="0"/>
+                <a:cs typeface="Consolas" panose="020B0609020204030204" pitchFamily="49" charset="0"/>
+              </a:rPr>
+              <a:t>"</a:t>
+            </a:r>
+            <a:r>
+              <a:rPr lang="en-US" sz="1800" dirty="0" err="1">
+                <a:solidFill>
+                  <a:srgbClr val="2A00FF"/>
+                </a:solidFill>
+                <a:effectLst/>
+                <a:latin typeface="Consolas" panose="020B0609020204030204" pitchFamily="49" charset="0"/>
+                <a:ea typeface="Calibri" panose="020F0502020204030204" pitchFamily="34" charset="0"/>
+                <a:cs typeface="Consolas" panose="020B0609020204030204" pitchFamily="49" charset="0"/>
+              </a:rPr>
+              <a:t>SW.FlightPlanner</a:t>
+            </a:r>
+            <a:r>
+              <a:rPr lang="en-US" sz="1800" dirty="0">
+                <a:solidFill>
+                  <a:srgbClr val="2A00FF"/>
+                </a:solidFill>
+                <a:effectLst/>
+                <a:latin typeface="Consolas" panose="020B0609020204030204" pitchFamily="49" charset="0"/>
+                <a:ea typeface="Calibri" panose="020F0502020204030204" pitchFamily="34" charset="0"/>
+                <a:cs typeface="Consolas" panose="020B0609020204030204" pitchFamily="49" charset="0"/>
+              </a:rPr>
+              <a:t>"</a:t>
+            </a:r>
+            <a:r>
+              <a:rPr lang="en-US" sz="1800" b="1" dirty="0">
+                <a:solidFill>
+                  <a:srgbClr val="7F0055"/>
+                </a:solidFill>
+                <a:effectLst/>
+                <a:latin typeface="Consolas" panose="020B0609020204030204" pitchFamily="49" charset="0"/>
+                <a:ea typeface="Calibri" panose="020F0502020204030204" pitchFamily="34" charset="0"/>
+                <a:cs typeface="Consolas" panose="020B0609020204030204" pitchFamily="49" charset="0"/>
+              </a:rPr>
+              <a:t>, </a:t>
+            </a:r>
+            <a:r>
+              <a:rPr lang="en-US" sz="1800" dirty="0">
+                <a:solidFill>
+                  <a:srgbClr val="2A00FF"/>
+                </a:solidFill>
+                <a:effectLst/>
+                <a:latin typeface="Consolas" panose="020B0609020204030204" pitchFamily="49" charset="0"/>
+                <a:ea typeface="Calibri" panose="020F0502020204030204" pitchFamily="34" charset="0"/>
+                <a:cs typeface="Consolas" panose="020B0609020204030204" pitchFamily="49" charset="0"/>
+              </a:rPr>
+              <a:t>"</a:t>
+            </a:r>
+            <a:r>
+              <a:rPr lang="en-US" sz="1800" dirty="0" err="1">
+                <a:solidFill>
+                  <a:srgbClr val="2A00FF"/>
+                </a:solidFill>
+                <a:effectLst/>
+                <a:latin typeface="Consolas" panose="020B0609020204030204" pitchFamily="49" charset="0"/>
+                <a:ea typeface="Calibri" panose="020F0502020204030204" pitchFamily="34" charset="0"/>
+                <a:cs typeface="Consolas" panose="020B0609020204030204" pitchFamily="49" charset="0"/>
+              </a:rPr>
+              <a:t>Req_Filter</a:t>
+            </a:r>
+            <a:r>
+              <a:rPr lang="en-US" sz="1800" dirty="0">
+                <a:solidFill>
+                  <a:srgbClr val="2A00FF"/>
+                </a:solidFill>
+                <a:effectLst/>
+                <a:latin typeface="Consolas" panose="020B0609020204030204" pitchFamily="49" charset="0"/>
+                <a:ea typeface="Calibri" panose="020F0502020204030204" pitchFamily="34" charset="0"/>
+                <a:cs typeface="Consolas" panose="020B0609020204030204" pitchFamily="49" charset="0"/>
+              </a:rPr>
+              <a:t>"</a:t>
+            </a:r>
+            <a:r>
+              <a:rPr lang="en-US" sz="1800" b="1" dirty="0">
+                <a:solidFill>
+                  <a:srgbClr val="7F0055"/>
+                </a:solidFill>
+                <a:effectLst/>
+                <a:latin typeface="Consolas" panose="020B0609020204030204" pitchFamily="49" charset="0"/>
+                <a:ea typeface="Calibri" panose="020F0502020204030204" pitchFamily="34" charset="0"/>
+                <a:cs typeface="Consolas" panose="020B0609020204030204" pitchFamily="49" charset="0"/>
+              </a:rPr>
+              <a:t>) and </a:t>
+            </a:r>
+            <a:endParaRPr lang="en-US" sz="1800" dirty="0">
+              <a:effectLst/>
+              <a:latin typeface="Calibri" panose="020F0502020204030204" pitchFamily="34" charset="0"/>
+              <a:ea typeface="Calibri" panose="020F0502020204030204" pitchFamily="34" charset="0"/>
+              <a:cs typeface="Times New Roman" panose="02020603050405020304" pitchFamily="18" charset="0"/>
+            </a:endParaRPr>
+          </a:p>
+          <a:p>
+            <a:pPr marL="0" marR="0">
+              <a:lnSpc>
+                <a:spcPct val="107000"/>
+              </a:lnSpc>
+              <a:spcBef>
+                <a:spcPts val="0"/>
+              </a:spcBef>
+              <a:spcAft>
+                <a:spcPts val="0"/>
+              </a:spcAft>
+              <a:tabLst>
+                <a:tab pos="342900" algn="l"/>
+                <a:tab pos="685800" algn="l"/>
+                <a:tab pos="1028700" algn="l"/>
+                <a:tab pos="1371600" algn="l"/>
+                <a:tab pos="1714500" algn="l"/>
+              </a:tabLst>
+            </a:pPr>
+            <a:r>
+              <a:rPr lang="en-US" sz="1800" b="1" dirty="0">
+                <a:solidFill>
+                  <a:srgbClr val="7F0055"/>
+                </a:solidFill>
+                <a:effectLst/>
+                <a:latin typeface="Consolas" panose="020B0609020204030204" pitchFamily="49" charset="0"/>
+                <a:ea typeface="Calibri" panose="020F0502020204030204" pitchFamily="34" charset="0"/>
+                <a:cs typeface="Consolas" panose="020B0609020204030204" pitchFamily="49" charset="0"/>
+              </a:rPr>
+              <a:t> </a:t>
+            </a:r>
+            <a:r>
+              <a:rPr lang="en-US" sz="1800" dirty="0">
+                <a:solidFill>
+                  <a:srgbClr val="808080"/>
+                </a:solidFill>
+                <a:effectLst/>
+                <a:latin typeface="Consolas" panose="020B0609020204030204" pitchFamily="49" charset="0"/>
+                <a:ea typeface="Calibri" panose="020F0502020204030204" pitchFamily="34" charset="0"/>
+                <a:cs typeface="Consolas" panose="020B0609020204030204" pitchFamily="49" charset="0"/>
+              </a:rPr>
+              <a:t>7</a:t>
+            </a:r>
+            <a:r>
+              <a:rPr lang="en-US" sz="1800" b="1" dirty="0">
+                <a:solidFill>
+                  <a:srgbClr val="7F0055"/>
+                </a:solidFill>
+                <a:effectLst/>
+                <a:latin typeface="Consolas" panose="020B0609020204030204" pitchFamily="49" charset="0"/>
+                <a:ea typeface="Calibri" panose="020F0502020204030204" pitchFamily="34" charset="0"/>
+                <a:cs typeface="Consolas" panose="020B0609020204030204" pitchFamily="49" charset="0"/>
+              </a:rPr>
+              <a:t>    </a:t>
+            </a:r>
+            <a:r>
+              <a:rPr lang="en-US" sz="1800" dirty="0" err="1">
+                <a:effectLst/>
+                <a:latin typeface="Consolas" panose="020B0609020204030204" pitchFamily="49" charset="0"/>
+                <a:ea typeface="Calibri" panose="020F0502020204030204" pitchFamily="34" charset="0"/>
+                <a:cs typeface="Consolas" panose="020B0609020204030204" pitchFamily="49" charset="0"/>
+              </a:rPr>
+              <a:t>add_filter</a:t>
+            </a:r>
+            <a:r>
+              <a:rPr lang="en-US" sz="1800" b="1" dirty="0">
+                <a:solidFill>
+                  <a:srgbClr val="7F0055"/>
+                </a:solidFill>
+                <a:effectLst/>
+                <a:latin typeface="Consolas" panose="020B0609020204030204" pitchFamily="49" charset="0"/>
+                <a:ea typeface="Calibri" panose="020F0502020204030204" pitchFamily="34" charset="0"/>
+                <a:cs typeface="Consolas" panose="020B0609020204030204" pitchFamily="49" charset="0"/>
+              </a:rPr>
+              <a:t>(</a:t>
+            </a:r>
+            <a:r>
+              <a:rPr lang="en-US" sz="1800" dirty="0">
+                <a:solidFill>
+                  <a:srgbClr val="2A00FF"/>
+                </a:solidFill>
+                <a:effectLst/>
+                <a:latin typeface="Consolas" panose="020B0609020204030204" pitchFamily="49" charset="0"/>
+                <a:ea typeface="Calibri" panose="020F0502020204030204" pitchFamily="34" charset="0"/>
+                <a:cs typeface="Consolas" panose="020B0609020204030204" pitchFamily="49" charset="0"/>
+              </a:rPr>
+              <a:t>"</a:t>
+            </a:r>
+            <a:r>
+              <a:rPr lang="en-US" sz="1800" dirty="0" err="1">
+                <a:solidFill>
+                  <a:srgbClr val="2A00FF"/>
+                </a:solidFill>
+                <a:effectLst/>
+                <a:latin typeface="Consolas" panose="020B0609020204030204" pitchFamily="49" charset="0"/>
+                <a:ea typeface="Calibri" panose="020F0502020204030204" pitchFamily="34" charset="0"/>
+                <a:cs typeface="Consolas" panose="020B0609020204030204" pitchFamily="49" charset="0"/>
+              </a:rPr>
+              <a:t>SW.FlightPlanner</a:t>
+            </a:r>
+            <a:r>
+              <a:rPr lang="en-US" sz="1800" dirty="0">
+                <a:solidFill>
+                  <a:srgbClr val="2A00FF"/>
+                </a:solidFill>
+                <a:effectLst/>
+                <a:latin typeface="Consolas" panose="020B0609020204030204" pitchFamily="49" charset="0"/>
+                <a:ea typeface="Calibri" panose="020F0502020204030204" pitchFamily="34" charset="0"/>
+                <a:cs typeface="Consolas" panose="020B0609020204030204" pitchFamily="49" charset="0"/>
+              </a:rPr>
+              <a:t>"</a:t>
+            </a:r>
+            <a:r>
+              <a:rPr lang="en-US" sz="1800" b="1" dirty="0">
+                <a:solidFill>
+                  <a:srgbClr val="7F0055"/>
+                </a:solidFill>
+                <a:effectLst/>
+                <a:latin typeface="Consolas" panose="020B0609020204030204" pitchFamily="49" charset="0"/>
+                <a:ea typeface="Calibri" panose="020F0502020204030204" pitchFamily="34" charset="0"/>
+                <a:cs typeface="Consolas" panose="020B0609020204030204" pitchFamily="49" charset="0"/>
+              </a:rPr>
+              <a:t>, </a:t>
+            </a:r>
+            <a:r>
+              <a:rPr lang="en-US" sz="1800" dirty="0">
+                <a:solidFill>
+                  <a:srgbClr val="2A00FF"/>
+                </a:solidFill>
+                <a:effectLst/>
+                <a:latin typeface="Consolas" panose="020B0609020204030204" pitchFamily="49" charset="0"/>
+                <a:ea typeface="Calibri" panose="020F0502020204030204" pitchFamily="34" charset="0"/>
+                <a:cs typeface="Consolas" panose="020B0609020204030204" pitchFamily="49" charset="0"/>
+              </a:rPr>
+              <a:t>"</a:t>
+            </a:r>
+            <a:r>
+              <a:rPr lang="en-US" sz="1800" dirty="0" err="1">
+                <a:solidFill>
+                  <a:srgbClr val="2A00FF"/>
+                </a:solidFill>
+                <a:effectLst/>
+                <a:latin typeface="Consolas" panose="020B0609020204030204" pitchFamily="49" charset="0"/>
+                <a:ea typeface="Calibri" panose="020F0502020204030204" pitchFamily="34" charset="0"/>
+                <a:cs typeface="Consolas" panose="020B0609020204030204" pitchFamily="49" charset="0"/>
+              </a:rPr>
+              <a:t>SW.Filter</a:t>
+            </a:r>
+            <a:r>
+              <a:rPr lang="en-US" sz="1800" dirty="0">
+                <a:solidFill>
+                  <a:srgbClr val="2A00FF"/>
+                </a:solidFill>
+                <a:effectLst/>
+                <a:latin typeface="Consolas" panose="020B0609020204030204" pitchFamily="49" charset="0"/>
+                <a:ea typeface="Calibri" panose="020F0502020204030204" pitchFamily="34" charset="0"/>
+                <a:cs typeface="Consolas" panose="020B0609020204030204" pitchFamily="49" charset="0"/>
+              </a:rPr>
+              <a:t>"</a:t>
+            </a:r>
+            <a:r>
+              <a:rPr lang="en-US" sz="1800" b="1" dirty="0">
+                <a:solidFill>
+                  <a:srgbClr val="7F0055"/>
+                </a:solidFill>
+                <a:effectLst/>
+                <a:latin typeface="Consolas" panose="020B0609020204030204" pitchFamily="49" charset="0"/>
+                <a:ea typeface="Calibri" panose="020F0502020204030204" pitchFamily="34" charset="0"/>
+                <a:cs typeface="Consolas" panose="020B0609020204030204" pitchFamily="49" charset="0"/>
+              </a:rPr>
+              <a:t>, </a:t>
+            </a:r>
+            <a:r>
+              <a:rPr lang="en-US" sz="1800" dirty="0">
+                <a:solidFill>
+                  <a:srgbClr val="2A00FF"/>
+                </a:solidFill>
+                <a:effectLst/>
+                <a:latin typeface="Consolas" panose="020B0609020204030204" pitchFamily="49" charset="0"/>
+                <a:ea typeface="Calibri" panose="020F0502020204030204" pitchFamily="34" charset="0"/>
+                <a:cs typeface="Consolas" panose="020B0609020204030204" pitchFamily="49" charset="0"/>
+              </a:rPr>
+              <a:t>"SW.c7"</a:t>
+            </a:r>
+            <a:r>
+              <a:rPr lang="en-US" sz="1800" b="1" dirty="0">
+                <a:solidFill>
+                  <a:srgbClr val="7F0055"/>
+                </a:solidFill>
+                <a:effectLst/>
+                <a:latin typeface="Consolas" panose="020B0609020204030204" pitchFamily="49" charset="0"/>
+                <a:ea typeface="Calibri" panose="020F0502020204030204" pitchFamily="34" charset="0"/>
+                <a:cs typeface="Consolas" panose="020B0609020204030204" pitchFamily="49" charset="0"/>
+              </a:rPr>
+              <a:t>, </a:t>
+            </a:r>
+            <a:r>
+              <a:rPr lang="en-US" sz="1800" dirty="0" err="1">
+                <a:effectLst/>
+                <a:latin typeface="Consolas" panose="020B0609020204030204" pitchFamily="49" charset="0"/>
+                <a:ea typeface="Calibri" panose="020F0502020204030204" pitchFamily="34" charset="0"/>
+                <a:cs typeface="Consolas" panose="020B0609020204030204" pitchFamily="49" charset="0"/>
+              </a:rPr>
+              <a:t>RF_Msg</a:t>
+            </a:r>
+            <a:r>
+              <a:rPr lang="en-US" sz="1800" b="1" dirty="0">
+                <a:solidFill>
+                  <a:srgbClr val="7F0055"/>
+                </a:solidFill>
+                <a:effectLst/>
+                <a:latin typeface="Consolas" panose="020B0609020204030204" pitchFamily="49" charset="0"/>
+                <a:ea typeface="Calibri" panose="020F0502020204030204" pitchFamily="34" charset="0"/>
+                <a:cs typeface="Consolas" panose="020B0609020204030204" pitchFamily="49" charset="0"/>
+              </a:rPr>
+              <a:t>)</a:t>
+            </a:r>
+            <a:endParaRPr lang="en-US" sz="1800" dirty="0">
+              <a:effectLst/>
+              <a:latin typeface="Calibri" panose="020F0502020204030204" pitchFamily="34" charset="0"/>
+              <a:ea typeface="Calibri" panose="020F0502020204030204" pitchFamily="34" charset="0"/>
+              <a:cs typeface="Times New Roman" panose="02020603050405020304" pitchFamily="18" charset="0"/>
+            </a:endParaRPr>
+          </a:p>
+        </p:txBody>
+      </p:sp>
+    </p:spTree>
+    <p:extLst>
+      <p:ext uri="{BB962C8B-B14F-4D97-AF65-F5344CB8AC3E}">
+        <p14:creationId xmlns:p14="http://schemas.microsoft.com/office/powerpoint/2010/main" val="4061980504"/>
+      </p:ext>
+    </p:extLst>
+  </p:cSld>
+  <p:clrMapOvr>
+    <a:masterClrMapping/>
+  </p:clrMapOvr>
+</p:sld>
+</file>
+
 <file path=ppt/slides/slide2.xml><?xml version="1.0" encoding="utf-8"?>
 <p:sld xmlns:a="http://schemas.openxmlformats.org/drawingml/2006/main" xmlns:r="http://schemas.openxmlformats.org/officeDocument/2006/relationships" xmlns:p="http://schemas.openxmlformats.org/presentationml/2006/main">
   <p:cSld>

--- a/figs/figures.pptx
+++ b/figs/figures.pptx
@@ -31713,10 +31713,10 @@
       </p:grpSpPr>
       <p:grpSp>
         <p:nvGrpSpPr>
-          <p:cNvPr id="5" name="Group 4">
-            <a:extLst>
-              <a:ext uri="{FF2B5EF4-FFF2-40B4-BE49-F238E27FC236}">
-                <a16:creationId xmlns:a16="http://schemas.microsoft.com/office/drawing/2014/main" id="{60A51566-2E40-A7E3-C824-529FA873DF1B}"/>
+          <p:cNvPr id="31" name="Group 30">
+            <a:extLst>
+              <a:ext uri="{FF2B5EF4-FFF2-40B4-BE49-F238E27FC236}">
+                <a16:creationId xmlns:a16="http://schemas.microsoft.com/office/drawing/2014/main" id="{B460A834-BCDF-EEF0-DB69-97DAF663A01B}"/>
               </a:ext>
             </a:extLst>
           </p:cNvPr>
@@ -31725,10 +31725,10 @@
         </p:nvGrpSpPr>
         <p:grpSpPr>
           <a:xfrm>
-            <a:off x="1356994" y="1243472"/>
-            <a:ext cx="8314720" cy="4414119"/>
-            <a:chOff x="1356994" y="1243472"/>
-            <a:chExt cx="8314720" cy="4414119"/>
+            <a:off x="1356994" y="1431253"/>
+            <a:ext cx="8314720" cy="3730054"/>
+            <a:chOff x="1356994" y="1431253"/>
+            <a:chExt cx="8314720" cy="3730054"/>
           </a:xfrm>
         </p:grpSpPr>
         <p:sp>
@@ -31745,8 +31745,8 @@
           </p:nvSpPr>
           <p:spPr>
             <a:xfrm>
-              <a:off x="1356994" y="1243472"/>
-              <a:ext cx="8314720" cy="1681317"/>
+              <a:off x="1356994" y="1431253"/>
+              <a:ext cx="8314720" cy="1370495"/>
             </a:xfrm>
             <a:prstGeom prst="roundRect">
               <a:avLst>
@@ -31851,8 +31851,8 @@
           </p:nvSpPr>
           <p:spPr>
             <a:xfrm>
-              <a:off x="3347850" y="1400790"/>
-              <a:ext cx="5834620" cy="471948"/>
+              <a:off x="3347850" y="1547553"/>
+              <a:ext cx="5834620" cy="325184"/>
             </a:xfrm>
             <a:prstGeom prst="rect">
               <a:avLst/>
@@ -31922,7 +31922,7 @@
           <p:spPr>
             <a:xfrm>
               <a:off x="3358540" y="2111168"/>
-              <a:ext cx="749339" cy="663676"/>
+              <a:ext cx="749339" cy="520800"/>
             </a:xfrm>
             <a:prstGeom prst="roundRect">
               <a:avLst>
@@ -32034,7 +32034,7 @@
           <p:spPr>
             <a:xfrm>
               <a:off x="5534258" y="2111168"/>
-              <a:ext cx="943671" cy="663676"/>
+              <a:ext cx="943671" cy="520800"/>
             </a:xfrm>
             <a:prstGeom prst="roundRect">
               <a:avLst>
@@ -32111,7 +32111,7 @@
           <p:spPr>
             <a:xfrm>
               <a:off x="6648234" y="2111167"/>
-              <a:ext cx="681071" cy="658865"/>
+              <a:ext cx="681071" cy="520801"/>
             </a:xfrm>
             <a:prstGeom prst="roundRect">
               <a:avLst>
@@ -32188,7 +32188,7 @@
           <p:spPr>
             <a:xfrm>
               <a:off x="7538526" y="2111167"/>
-              <a:ext cx="696288" cy="658865"/>
+              <a:ext cx="696288" cy="520801"/>
             </a:xfrm>
             <a:prstGeom prst="roundRect">
               <a:avLst>
@@ -32309,8 +32309,8 @@
           </p:nvSpPr>
           <p:spPr>
             <a:xfrm>
-              <a:off x="7354700" y="3415856"/>
-              <a:ext cx="935575" cy="687574"/>
+              <a:off x="7354700" y="3280689"/>
+              <a:ext cx="935575" cy="470522"/>
             </a:xfrm>
             <a:prstGeom prst="roundRect">
               <a:avLst>
@@ -32390,7 +32390,7 @@
           </p:nvCxnSpPr>
           <p:spPr>
             <a:xfrm flipH="1">
-              <a:off x="7065135" y="4717538"/>
+              <a:off x="7065135" y="4296122"/>
               <a:ext cx="286283" cy="1811"/>
             </a:xfrm>
             <a:prstGeom prst="straightConnector1">
@@ -32423,7 +32423,7 @@
           <p:spPr>
             <a:xfrm>
               <a:off x="4244622" y="2111168"/>
-              <a:ext cx="1131524" cy="663676"/>
+              <a:ext cx="1131524" cy="520800"/>
             </a:xfrm>
             <a:prstGeom prst="roundRect">
               <a:avLst>
@@ -32503,7 +32503,7 @@
           </p:nvCxnSpPr>
           <p:spPr>
             <a:xfrm flipH="1">
-              <a:off x="5376146" y="2443006"/>
+              <a:off x="5376146" y="2371568"/>
               <a:ext cx="158112" cy="0"/>
             </a:xfrm>
             <a:prstGeom prst="straightConnector1">
@@ -32569,7 +32569,7 @@
           </p:nvSpPr>
           <p:spPr>
             <a:xfrm>
-              <a:off x="4619090" y="4440460"/>
+              <a:off x="4619090" y="4019044"/>
               <a:ext cx="1129455" cy="557778"/>
             </a:xfrm>
             <a:prstGeom prst="roundRect">
@@ -32660,7 +32660,7 @@
           </p:nvSpPr>
           <p:spPr>
             <a:xfrm>
-              <a:off x="3214005" y="4440460"/>
+              <a:off x="3214005" y="4019044"/>
               <a:ext cx="1045657" cy="557778"/>
             </a:xfrm>
             <a:prstGeom prst="roundRect">
@@ -32732,7 +32732,7 @@
           </p:nvSpPr>
           <p:spPr>
             <a:xfrm>
-              <a:off x="6135360" y="4440460"/>
+              <a:off x="6135360" y="4019044"/>
               <a:ext cx="929775" cy="557778"/>
             </a:xfrm>
             <a:prstGeom prst="roundRect">
@@ -32861,7 +32861,7 @@
           </p:nvCxnSpPr>
           <p:spPr>
             <a:xfrm>
-              <a:off x="4259662" y="4719349"/>
+              <a:off x="4259662" y="4297933"/>
               <a:ext cx="359428" cy="0"/>
             </a:xfrm>
             <a:prstGeom prst="straightConnector1">
@@ -32897,7 +32897,7 @@
           </p:nvCxnSpPr>
           <p:spPr>
             <a:xfrm flipH="1">
-              <a:off x="5748545" y="4719349"/>
+              <a:off x="5748545" y="4297933"/>
               <a:ext cx="386815" cy="0"/>
             </a:xfrm>
             <a:prstGeom prst="straightConnector1">
@@ -32929,8 +32929,8 @@
           </p:nvSpPr>
           <p:spPr>
             <a:xfrm>
-              <a:off x="3248325" y="3405920"/>
-              <a:ext cx="965102" cy="687574"/>
+              <a:off x="3248325" y="3270753"/>
+              <a:ext cx="965102" cy="480458"/>
             </a:xfrm>
             <a:prstGeom prst="rect">
               <a:avLst/>
@@ -33003,8 +33003,8 @@
           </p:nvCxnSpPr>
           <p:spPr>
             <a:xfrm flipH="1">
-              <a:off x="3730876" y="2774844"/>
-              <a:ext cx="2334" cy="631076"/>
+              <a:off x="3730876" y="2631968"/>
+              <a:ext cx="2334" cy="638785"/>
             </a:xfrm>
             <a:prstGeom prst="straightConnector1">
               <a:avLst/>
@@ -33035,8 +33035,8 @@
           </p:nvSpPr>
           <p:spPr>
             <a:xfrm>
-              <a:off x="6135361" y="3415856"/>
-              <a:ext cx="935579" cy="687574"/>
+              <a:off x="6135361" y="3280689"/>
+              <a:ext cx="935579" cy="463278"/>
             </a:xfrm>
             <a:prstGeom prst="rect">
               <a:avLst/>
@@ -33144,9 +33144,9 @@
             <p:nvPr/>
           </p:nvCxnSpPr>
           <p:spPr>
-            <a:xfrm flipH="1">
-              <a:off x="7070940" y="3759643"/>
-              <a:ext cx="283760" cy="0"/>
+            <a:xfrm flipH="1" flipV="1">
+              <a:off x="7070940" y="3512328"/>
+              <a:ext cx="283760" cy="3622"/>
             </a:xfrm>
             <a:prstGeom prst="straightConnector1">
               <a:avLst/>
@@ -33181,8 +33181,8 @@
           </p:nvCxnSpPr>
           <p:spPr>
             <a:xfrm flipH="1">
-              <a:off x="6600248" y="4103430"/>
-              <a:ext cx="2903" cy="337030"/>
+              <a:off x="6600248" y="3743967"/>
+              <a:ext cx="2903" cy="275077"/>
             </a:xfrm>
             <a:prstGeom prst="straightConnector1">
               <a:avLst/>
@@ -33213,8 +33213,8 @@
           </p:nvSpPr>
           <p:spPr>
             <a:xfrm>
-              <a:off x="3799941" y="5306681"/>
-              <a:ext cx="2771820" cy="350910"/>
+              <a:off x="3799941" y="4853461"/>
+              <a:ext cx="2771820" cy="307846"/>
             </a:xfrm>
             <a:prstGeom prst="rect">
               <a:avLst/>
@@ -33286,8 +33286,8 @@
           </p:nvCxnSpPr>
           <p:spPr>
             <a:xfrm>
-              <a:off x="2425691" y="4093368"/>
-              <a:ext cx="782357" cy="411957"/>
+              <a:off x="2425691" y="3751211"/>
+              <a:ext cx="822634" cy="277079"/>
             </a:xfrm>
             <a:prstGeom prst="straightConnector1">
               <a:avLst/>
@@ -33350,8 +33350,8 @@
           </p:nvSpPr>
           <p:spPr>
             <a:xfrm>
-              <a:off x="1797718" y="3405794"/>
-              <a:ext cx="1255945" cy="687574"/>
+              <a:off x="1797718" y="3270627"/>
+              <a:ext cx="1255945" cy="480584"/>
             </a:xfrm>
             <a:prstGeom prst="rect">
               <a:avLst/>
@@ -33426,7 +33426,7 @@
           </p:nvSpPr>
           <p:spPr>
             <a:xfrm>
-              <a:off x="7351418" y="4438650"/>
+              <a:off x="7351418" y="4017234"/>
               <a:ext cx="1277896" cy="557776"/>
             </a:xfrm>
             <a:prstGeom prst="rect">
@@ -33505,8 +33505,8 @@
           </p:nvCxnSpPr>
           <p:spPr>
             <a:xfrm>
-              <a:off x="3730876" y="4093494"/>
-              <a:ext cx="5958" cy="346966"/>
+              <a:off x="3730876" y="3751211"/>
+              <a:ext cx="5958" cy="267833"/>
             </a:xfrm>
             <a:prstGeom prst="straightConnector1">
               <a:avLst/>
@@ -33537,7 +33537,7 @@
           </p:nvSpPr>
           <p:spPr>
             <a:xfrm>
-              <a:off x="1832512" y="4438649"/>
+              <a:off x="1832512" y="4017233"/>
               <a:ext cx="1126680" cy="557779"/>
             </a:xfrm>
             <a:prstGeom prst="rect">
@@ -33616,12 +33616,12 @@
           </p:nvCxnSpPr>
           <p:spPr>
             <a:xfrm flipH="1">
-              <a:off x="8290275" y="1636764"/>
-              <a:ext cx="892195" cy="2122879"/>
+              <a:off x="8290275" y="1710145"/>
+              <a:ext cx="892195" cy="1805805"/>
             </a:xfrm>
             <a:prstGeom prst="bentConnector3">
               <a:avLst>
-                <a:gd name="adj1" fmla="val -30078"/>
+                <a:gd name="adj1" fmla="val -25622"/>
               </a:avLst>
             </a:prstGeom>
             <a:noFill/>
@@ -33654,7 +33654,7 @@
           </p:nvCxnSpPr>
           <p:spPr>
             <a:xfrm>
-              <a:off x="2959192" y="4717539"/>
+              <a:off x="2959192" y="4296123"/>
               <a:ext cx="254813" cy="1810"/>
             </a:xfrm>
             <a:prstGeom prst="straightConnector1">
@@ -33721,8 +33721,8 @@
           </p:nvSpPr>
           <p:spPr>
             <a:xfrm>
-              <a:off x="4619090" y="3415856"/>
-              <a:ext cx="1129455" cy="687574"/>
+              <a:off x="4619090" y="3280689"/>
+              <a:ext cx="1129455" cy="470522"/>
             </a:xfrm>
             <a:prstGeom prst="rect">
               <a:avLst/>
@@ -33842,14 +33842,13 @@
             <p:cNvCxnSpPr>
               <a:cxnSpLocks/>
               <a:stCxn id="62" idx="2"/>
-              <a:endCxn id="170" idx="0"/>
             </p:cNvCxnSpPr>
             <p:nvPr/>
           </p:nvCxnSpPr>
           <p:spPr>
             <a:xfrm>
-              <a:off x="3733210" y="2774844"/>
-              <a:ext cx="1450608" cy="641012"/>
+              <a:off x="3733210" y="2631968"/>
+              <a:ext cx="885880" cy="648720"/>
             </a:xfrm>
             <a:prstGeom prst="straightConnector1">
               <a:avLst/>
@@ -33884,8 +33883,8 @@
           </p:nvCxnSpPr>
           <p:spPr>
             <a:xfrm flipV="1">
-              <a:off x="8234814" y="2438201"/>
-              <a:ext cx="229183" cy="2399"/>
+              <a:off x="8234814" y="2368650"/>
+              <a:ext cx="229183" cy="2918"/>
             </a:xfrm>
             <a:prstGeom prst="straightConnector1">
               <a:avLst/>
@@ -33920,8 +33919,8 @@
           </p:nvCxnSpPr>
           <p:spPr>
             <a:xfrm>
-              <a:off x="5183818" y="4103430"/>
-              <a:ext cx="0" cy="337030"/>
+              <a:off x="5183818" y="3751211"/>
+              <a:ext cx="0" cy="267833"/>
             </a:xfrm>
             <a:prstGeom prst="straightConnector1">
               <a:avLst/>
@@ -33952,8 +33951,8 @@
           </p:nvSpPr>
           <p:spPr>
             <a:xfrm>
-              <a:off x="8463997" y="2105330"/>
-              <a:ext cx="840177" cy="665741"/>
+              <a:off x="8463997" y="2105331"/>
+              <a:ext cx="840177" cy="526638"/>
             </a:xfrm>
             <a:prstGeom prst="foldedCorner">
               <a:avLst/>
@@ -34039,7 +34038,7 @@
           </p:nvCxnSpPr>
           <p:spPr>
             <a:xfrm>
-              <a:off x="7329305" y="2440600"/>
+              <a:off x="7329305" y="2371568"/>
               <a:ext cx="209221" cy="0"/>
             </a:xfrm>
             <a:prstGeom prst="straightConnector1">
@@ -34071,8 +34070,8 @@
           </p:nvSpPr>
           <p:spPr>
             <a:xfrm>
-              <a:off x="1356994" y="3046145"/>
-              <a:ext cx="8314720" cy="2117660"/>
+              <a:off x="1356994" y="2910978"/>
+              <a:ext cx="8314720" cy="1812102"/>
             </a:xfrm>
             <a:prstGeom prst="roundRect">
               <a:avLst>
@@ -34146,8 +34145,8 @@
           </p:nvCxnSpPr>
           <p:spPr>
             <a:xfrm flipV="1">
-              <a:off x="7886670" y="2770032"/>
-              <a:ext cx="0" cy="276114"/>
+              <a:off x="7886670" y="2631968"/>
+              <a:ext cx="0" cy="279010"/>
             </a:xfrm>
             <a:prstGeom prst="straightConnector1">
               <a:avLst/>
@@ -34182,8 +34181,8 @@
           </p:nvCxnSpPr>
           <p:spPr>
             <a:xfrm flipH="1" flipV="1">
-              <a:off x="5183818" y="4998238"/>
-              <a:ext cx="2033" cy="308443"/>
+              <a:off x="5183818" y="4576822"/>
+              <a:ext cx="2033" cy="276639"/>
             </a:xfrm>
             <a:prstGeom prst="straightConnector1">
               <a:avLst/>

--- a/figs/figures.pptx
+++ b/figs/figures.pptx
@@ -9748,7 +9748,7 @@
           <a:p>
             <a:fld id="{5C6EBB67-6EE7-4C23-B985-43789AB9C88F}" type="datetimeFigureOut">
               <a:rPr lang="en-US" smtClean="0"/>
-              <a:t>2/5/2023</a:t>
+              <a:t>2/8/2023</a:t>
             </a:fld>
             <a:endParaRPr lang="en-US"/>
           </a:p>
@@ -10383,7 +10383,7 @@
           <a:p>
             <a:fld id="{DF8FEDC4-D0B3-4856-9A38-C1252647D9D9}" type="datetimeFigureOut">
               <a:rPr lang="en-US" smtClean="0"/>
-              <a:t>2/5/2023</a:t>
+              <a:t>2/8/2023</a:t>
             </a:fld>
             <a:endParaRPr lang="en-US"/>
           </a:p>
@@ -10581,7 +10581,7 @@
           <a:p>
             <a:fld id="{DF8FEDC4-D0B3-4856-9A38-C1252647D9D9}" type="datetimeFigureOut">
               <a:rPr lang="en-US" smtClean="0"/>
-              <a:t>2/5/2023</a:t>
+              <a:t>2/8/2023</a:t>
             </a:fld>
             <a:endParaRPr lang="en-US"/>
           </a:p>
@@ -10856,7 +10856,7 @@
           <a:p>
             <a:fld id="{DF8FEDC4-D0B3-4856-9A38-C1252647D9D9}" type="datetimeFigureOut">
               <a:rPr lang="en-US" smtClean="0"/>
-              <a:t>2/5/2023</a:t>
+              <a:t>2/8/2023</a:t>
             </a:fld>
             <a:endParaRPr lang="en-US"/>
           </a:p>
@@ -11121,7 +11121,7 @@
           <a:p>
             <a:fld id="{DF8FEDC4-D0B3-4856-9A38-C1252647D9D9}" type="datetimeFigureOut">
               <a:rPr lang="en-US" smtClean="0"/>
-              <a:t>2/5/2023</a:t>
+              <a:t>2/8/2023</a:t>
             </a:fld>
             <a:endParaRPr lang="en-US"/>
           </a:p>
@@ -11533,7 +11533,7 @@
           <a:p>
             <a:fld id="{DF8FEDC4-D0B3-4856-9A38-C1252647D9D9}" type="datetimeFigureOut">
               <a:rPr lang="en-US" smtClean="0"/>
-              <a:t>2/5/2023</a:t>
+              <a:t>2/8/2023</a:t>
             </a:fld>
             <a:endParaRPr lang="en-US"/>
           </a:p>
@@ -11674,7 +11674,7 @@
           <a:p>
             <a:fld id="{DF8FEDC4-D0B3-4856-9A38-C1252647D9D9}" type="datetimeFigureOut">
               <a:rPr lang="en-US" smtClean="0"/>
-              <a:t>2/5/2023</a:t>
+              <a:t>2/8/2023</a:t>
             </a:fld>
             <a:endParaRPr lang="en-US"/>
           </a:p>
@@ -11920,7 +11920,7 @@
           <a:p>
             <a:fld id="{DF8FEDC4-D0B3-4856-9A38-C1252647D9D9}" type="datetimeFigureOut">
               <a:rPr lang="en-US" smtClean="0"/>
-              <a:t>2/5/2023</a:t>
+              <a:t>2/8/2023</a:t>
             </a:fld>
             <a:endParaRPr lang="en-US"/>
           </a:p>
@@ -12231,7 +12231,7 @@
           <a:p>
             <a:fld id="{DF8FEDC4-D0B3-4856-9A38-C1252647D9D9}" type="datetimeFigureOut">
               <a:rPr lang="en-US" smtClean="0"/>
-              <a:t>2/5/2023</a:t>
+              <a:t>2/8/2023</a:t>
             </a:fld>
             <a:endParaRPr lang="en-US"/>
           </a:p>
@@ -12519,7 +12519,7 @@
           <a:p>
             <a:fld id="{DF8FEDC4-D0B3-4856-9A38-C1252647D9D9}" type="datetimeFigureOut">
               <a:rPr lang="en-US" smtClean="0"/>
-              <a:t>2/5/2023</a:t>
+              <a:t>2/8/2023</a:t>
             </a:fld>
             <a:endParaRPr lang="en-US"/>
           </a:p>
@@ -12717,7 +12717,7 @@
           <a:p>
             <a:fld id="{DF8FEDC4-D0B3-4856-9A38-C1252647D9D9}" type="datetimeFigureOut">
               <a:rPr lang="en-US" smtClean="0"/>
-              <a:t>2/5/2023</a:t>
+              <a:t>2/8/2023</a:t>
             </a:fld>
             <a:endParaRPr lang="en-US"/>
           </a:p>
@@ -12925,7 +12925,7 @@
           <a:p>
             <a:fld id="{DF8FEDC4-D0B3-4856-9A38-C1252647D9D9}" type="datetimeFigureOut">
               <a:rPr lang="en-US" smtClean="0"/>
-              <a:t>2/5/2023</a:t>
+              <a:t>2/8/2023</a:t>
             </a:fld>
             <a:endParaRPr lang="en-US"/>
           </a:p>
@@ -18217,7 +18217,7 @@
           <a:p>
             <a:fld id="{DF8FEDC4-D0B3-4856-9A38-C1252647D9D9}" type="datetimeFigureOut">
               <a:rPr lang="en-US" smtClean="0"/>
-              <a:t>2/5/2023</a:t>
+              <a:t>2/8/2023</a:t>
             </a:fld>
             <a:endParaRPr lang="en-US"/>
           </a:p>
@@ -21294,7 +21294,7 @@
         <p:spPr>
           <a:xfrm>
             <a:off x="3903946" y="63757"/>
-            <a:ext cx="3737258" cy="728709"/>
+            <a:ext cx="3824722" cy="728709"/>
           </a:xfrm>
           <a:prstGeom prst="roundRect">
             <a:avLst>
@@ -21387,7 +21387,7 @@
                 </a:solidFill>
                 <a:latin typeface="Consolas" panose="020B0609020204030204" pitchFamily="49" charset="0"/>
               </a:rPr>
-              <a:t>swComp</a:t>
+              <a:t>mitComp</a:t>
             </a:r>
             <a:r>
               <a:rPr lang="en-US" sz="1400" dirty="0">
@@ -25078,8 +25078,8 @@
         </p:nvSpPr>
         <p:spPr>
           <a:xfrm>
-            <a:off x="3494644" y="63757"/>
-            <a:ext cx="3737258" cy="728709"/>
+            <a:off x="3431036" y="63757"/>
+            <a:ext cx="3868264" cy="728709"/>
           </a:xfrm>
           <a:prstGeom prst="roundRect">
             <a:avLst>
@@ -25172,7 +25172,7 @@
                 </a:solidFill>
                 <a:latin typeface="Consolas" panose="020B0609020204030204" pitchFamily="49" charset="0"/>
               </a:rPr>
-              <a:t>swComp</a:t>
+              <a:t>mitComp</a:t>
             </a:r>
             <a:r>
               <a:rPr lang="en-US" sz="1400" dirty="0">
@@ -25293,7 +25293,7 @@
                 </a:solidFill>
                 <a:latin typeface="Consolas" panose="020B0609020204030204" pitchFamily="49" charset="0"/>
               </a:rPr>
-              <a:t>swComp</a:t>
+              <a:t>mitComp</a:t>
             </a:r>
             <a:r>
               <a:rPr lang="en-US" sz="1400" dirty="0">
@@ -25414,7 +25414,7 @@
                 </a:solidFill>
                 <a:latin typeface="Consolas" panose="020B0609020204030204" pitchFamily="49" charset="0"/>
               </a:rPr>
-              <a:t>swComp</a:t>
+              <a:t>mitComp</a:t>
             </a:r>
             <a:r>
               <a:rPr lang="en-US" sz="1400" dirty="0">
@@ -25535,7 +25535,7 @@
                 </a:solidFill>
                 <a:latin typeface="Consolas" panose="020B0609020204030204" pitchFamily="49" charset="0"/>
               </a:rPr>
-              <a:t>swComp</a:t>
+              <a:t>mitComp</a:t>
             </a:r>
             <a:r>
               <a:rPr lang="en-US" sz="1400" dirty="0">
@@ -25760,7 +25760,7 @@
                 </a:solidFill>
                 <a:latin typeface="Consolas" panose="020B0609020204030204" pitchFamily="49" charset="0"/>
               </a:rPr>
-              <a:t>swComp</a:t>
+              <a:t>mitComp</a:t>
             </a:r>
             <a:r>
               <a:rPr lang="en-US" sz="1400" dirty="0">
@@ -26351,8 +26351,8 @@
         </p:nvCxnSpPr>
         <p:spPr>
           <a:xfrm rot="5400000">
-            <a:off x="76924" y="2062904"/>
-            <a:ext cx="347913" cy="2098233"/>
+            <a:off x="84875" y="2070855"/>
+            <a:ext cx="332011" cy="2098233"/>
           </a:xfrm>
           <a:prstGeom prst="bentConnector3">
             <a:avLst>
@@ -26401,8 +26401,8 @@
         </p:nvCxnSpPr>
         <p:spPr>
           <a:xfrm rot="16200000" flipH="1">
-            <a:off x="1125390" y="3112669"/>
-            <a:ext cx="350156" cy="945"/>
+            <a:off x="1133341" y="3120620"/>
+            <a:ext cx="334254" cy="945"/>
           </a:xfrm>
           <a:prstGeom prst="bentConnector3">
             <a:avLst>
@@ -26451,8 +26451,8 @@
         </p:nvCxnSpPr>
         <p:spPr>
           <a:xfrm rot="16200000" flipH="1">
-            <a:off x="2208753" y="2029306"/>
-            <a:ext cx="350156" cy="2167671"/>
+            <a:off x="2216704" y="2037257"/>
+            <a:ext cx="334254" cy="2167671"/>
           </a:xfrm>
           <a:prstGeom prst="bentConnector3">
             <a:avLst>
@@ -26561,7 +26561,7 @@
         </p:nvSpPr>
         <p:spPr>
           <a:xfrm>
-            <a:off x="1124736" y="2729913"/>
+            <a:off x="1124736" y="2745815"/>
             <a:ext cx="350520" cy="208151"/>
           </a:xfrm>
           <a:prstGeom prst="triangle">
@@ -28968,7 +28968,7 @@
                 </a:solidFill>
                 <a:latin typeface="Consolas" panose="020B0609020204030204" pitchFamily="49" charset="0"/>
               </a:rPr>
-              <a:t>swComp</a:t>
+              <a:t>mitComp</a:t>
             </a:r>
             <a:r>
               <a:rPr lang="en-US" sz="1400" dirty="0">
@@ -34461,8 +34461,8 @@
         </p:nvSpPr>
         <p:spPr>
           <a:xfrm>
-            <a:off x="4719077" y="1965764"/>
-            <a:ext cx="2282615" cy="727562"/>
+            <a:off x="4464636" y="1965764"/>
+            <a:ext cx="2802857" cy="727562"/>
           </a:xfrm>
           <a:prstGeom prst="rect">
             <a:avLst/>
@@ -34523,7 +34523,7 @@
                 </a:solidFill>
                 <a:latin typeface="Consolas" panose="020B0609020204030204" pitchFamily="49" charset="0"/>
               </a:rPr>
-              <a:t>sysImplSatReqs</a:t>
+              <a:t>sysImplSatReq</a:t>
             </a:r>
             <a:endParaRPr lang="en-US" sz="1400" dirty="0">
               <a:solidFill>
@@ -34561,7 +34561,24 @@
                   <a:schemeClr val="tx1"/>
                 </a:solidFill>
               </a:rPr>
-              <a:t>} model satisfies requirements</a:t>
+              <a:t>} model satisfies requirement {</a:t>
+            </a:r>
+            <a:r>
+              <a:rPr lang="en-US" sz="1400" dirty="0" err="1">
+                <a:solidFill>
+                  <a:schemeClr val="tx1"/>
+                </a:solidFill>
+                <a:latin typeface="Consolas" panose="020B0609020204030204" pitchFamily="49" charset="0"/>
+              </a:rPr>
+              <a:t>secReq</a:t>
+            </a:r>
+            <a:r>
+              <a:rPr lang="en-US" sz="1400" dirty="0">
+                <a:solidFill>
+                  <a:schemeClr val="tx1"/>
+                </a:solidFill>
+              </a:rPr>
+              <a:t>}</a:t>
             </a:r>
           </a:p>
         </p:txBody>
@@ -46708,8 +46725,8 @@
         </p:nvSpPr>
         <p:spPr>
           <a:xfrm>
-            <a:off x="182522" y="1762752"/>
-            <a:ext cx="2659262" cy="753722"/>
+            <a:off x="254081" y="1762752"/>
+            <a:ext cx="2498889" cy="753722"/>
           </a:xfrm>
           <a:prstGeom prst="roundRect">
             <a:avLst>
@@ -46793,7 +46810,7 @@
                   <a:schemeClr val="tx1"/>
                 </a:solidFill>
               </a:rPr>
-              <a:t>A CASE Filter {</a:t>
+              <a:t>A filter {</a:t>
             </a:r>
             <a:r>
               <a:rPr lang="en-US" sz="1400" dirty="0" err="1">
@@ -46850,8 +46867,8 @@
         </p:nvCxnSpPr>
         <p:spPr>
           <a:xfrm rot="5400000">
-            <a:off x="3455447" y="-430371"/>
-            <a:ext cx="249830" cy="4136417"/>
+            <a:off x="3451133" y="-434685"/>
+            <a:ext cx="249830" cy="4145044"/>
           </a:xfrm>
           <a:prstGeom prst="bentConnector3">
             <a:avLst>
@@ -50852,6 +50869,315 @@
           </a:fontRef>
         </p:style>
       </p:cxnSp>
+      <p:sp>
+        <p:nvSpPr>
+          <p:cNvPr id="4" name="Rectangle: Rounded Corners 3">
+            <a:extLst>
+              <a:ext uri="{FF2B5EF4-FFF2-40B4-BE49-F238E27FC236}">
+                <a16:creationId xmlns:a16="http://schemas.microsoft.com/office/drawing/2014/main" id="{5DBE4CDC-A26A-59EC-8471-E7973C0B13D1}"/>
+              </a:ext>
+            </a:extLst>
+          </p:cNvPr>
+          <p:cNvSpPr/>
+          <p:nvPr/>
+        </p:nvSpPr>
+        <p:spPr>
+          <a:xfrm>
+            <a:off x="3071173" y="1867065"/>
+            <a:ext cx="2318269" cy="564179"/>
+          </a:xfrm>
+          <a:prstGeom prst="roundRect">
+            <a:avLst/>
+          </a:prstGeom>
+          <a:solidFill>
+            <a:schemeClr val="bg1"/>
+          </a:solidFill>
+          <a:ln w="28575">
+            <a:solidFill>
+              <a:srgbClr val="0070C0"/>
+            </a:solidFill>
+          </a:ln>
+          <a:effectLst/>
+        </p:spPr>
+        <p:style>
+          <a:lnRef idx="1">
+            <a:schemeClr val="accent1"/>
+          </a:lnRef>
+          <a:fillRef idx="3">
+            <a:schemeClr val="accent1"/>
+          </a:fillRef>
+          <a:effectRef idx="2">
+            <a:schemeClr val="accent1"/>
+          </a:effectRef>
+          <a:fontRef idx="minor">
+            <a:schemeClr val="lt1"/>
+          </a:fontRef>
+        </p:style>
+        <p:txBody>
+          <a:bodyPr rtlCol="0" anchor="ctr"/>
+          <a:lstStyle/>
+          <a:p>
+            <a:pPr algn="ctr">
+              <a:spcBef>
+                <a:spcPts val="600"/>
+              </a:spcBef>
+            </a:pPr>
+            <a:r>
+              <a:rPr lang="en-US" sz="1400" b="1" dirty="0" err="1">
+                <a:solidFill>
+                  <a:schemeClr val="tx1"/>
+                </a:solidFill>
+              </a:rPr>
+              <a:t>Ctx</a:t>
+            </a:r>
+            <a:r>
+              <a:rPr lang="en-US" sz="1400" b="1" dirty="0">
+                <a:solidFill>
+                  <a:schemeClr val="tx1"/>
+                </a:solidFill>
+              </a:rPr>
+              <a:t>: </a:t>
+            </a:r>
+            <a:r>
+              <a:rPr lang="en-US" sz="1400" dirty="0" err="1">
+                <a:solidFill>
+                  <a:schemeClr val="tx1"/>
+                </a:solidFill>
+                <a:latin typeface="Consolas" panose="020B0609020204030204" pitchFamily="49" charset="0"/>
+              </a:rPr>
+              <a:t>mitComp</a:t>
+            </a:r>
+            <a:endParaRPr lang="en-US" sz="1400" dirty="0">
+              <a:solidFill>
+                <a:schemeClr val="tx1"/>
+              </a:solidFill>
+              <a:latin typeface="Consolas" panose="020B0609020204030204" pitchFamily="49" charset="0"/>
+            </a:endParaRPr>
+          </a:p>
+          <a:p>
+            <a:pPr algn="ctr">
+              <a:spcBef>
+                <a:spcPts val="600"/>
+              </a:spcBef>
+            </a:pPr>
+            <a:r>
+              <a:rPr lang="en-US" sz="1400" dirty="0">
+                <a:solidFill>
+                  <a:schemeClr val="tx1"/>
+                </a:solidFill>
+              </a:rPr>
+              <a:t>Mitigating component {</a:t>
+            </a:r>
+            <a:r>
+              <a:rPr lang="en-US" sz="1400" dirty="0" err="1">
+                <a:solidFill>
+                  <a:schemeClr val="tx1"/>
+                </a:solidFill>
+                <a:latin typeface="Consolas" panose="020B0609020204030204" pitchFamily="49" charset="0"/>
+              </a:rPr>
+              <a:t>flt</a:t>
+            </a:r>
+            <a:r>
+              <a:rPr lang="en-US" sz="1400" dirty="0">
+                <a:solidFill>
+                  <a:schemeClr val="tx1"/>
+                </a:solidFill>
+              </a:rPr>
+              <a:t>}</a:t>
+            </a:r>
+          </a:p>
+        </p:txBody>
+      </p:sp>
+      <p:sp>
+        <p:nvSpPr>
+          <p:cNvPr id="7" name="Isosceles Triangle 6">
+            <a:extLst>
+              <a:ext uri="{FF2B5EF4-FFF2-40B4-BE49-F238E27FC236}">
+                <a16:creationId xmlns:a16="http://schemas.microsoft.com/office/drawing/2014/main" id="{A55628C0-899A-BB86-3307-9032925CDEC9}"/>
+              </a:ext>
+            </a:extLst>
+          </p:cNvPr>
+          <p:cNvSpPr/>
+          <p:nvPr/>
+        </p:nvSpPr>
+        <p:spPr>
+          <a:xfrm>
+            <a:off x="4055047" y="2441915"/>
+            <a:ext cx="350520" cy="208151"/>
+          </a:xfrm>
+          <a:prstGeom prst="triangle">
+            <a:avLst/>
+          </a:prstGeom>
+          <a:solidFill>
+            <a:schemeClr val="bg1"/>
+          </a:solidFill>
+          <a:ln w="28575">
+            <a:solidFill>
+              <a:srgbClr val="0070C0"/>
+            </a:solidFill>
+          </a:ln>
+          <a:effectLst/>
+        </p:spPr>
+        <p:style>
+          <a:lnRef idx="1">
+            <a:schemeClr val="accent1"/>
+          </a:lnRef>
+          <a:fillRef idx="3">
+            <a:schemeClr val="accent1"/>
+          </a:fillRef>
+          <a:effectRef idx="2">
+            <a:schemeClr val="accent1"/>
+          </a:effectRef>
+          <a:fontRef idx="minor">
+            <a:schemeClr val="lt1"/>
+          </a:fontRef>
+        </p:style>
+        <p:txBody>
+          <a:bodyPr rtlCol="0" anchor="ctr"/>
+          <a:lstStyle/>
+          <a:p>
+            <a:pPr algn="ctr">
+              <a:spcBef>
+                <a:spcPts val="600"/>
+              </a:spcBef>
+              <a:spcAft>
+                <a:spcPts val="600"/>
+              </a:spcAft>
+            </a:pPr>
+            <a:endParaRPr lang="en-US" sz="1400">
+              <a:solidFill>
+                <a:schemeClr val="tx1"/>
+              </a:solidFill>
+            </a:endParaRPr>
+          </a:p>
+        </p:txBody>
+      </p:sp>
+      <p:grpSp>
+        <p:nvGrpSpPr>
+          <p:cNvPr id="22" name="Group 21">
+            <a:extLst>
+              <a:ext uri="{FF2B5EF4-FFF2-40B4-BE49-F238E27FC236}">
+                <a16:creationId xmlns:a16="http://schemas.microsoft.com/office/drawing/2014/main" id="{4E3B9641-55D4-FDB6-51EC-F294E0A7BFBF}"/>
+              </a:ext>
+            </a:extLst>
+          </p:cNvPr>
+          <p:cNvGrpSpPr/>
+          <p:nvPr/>
+        </p:nvGrpSpPr>
+        <p:grpSpPr>
+          <a:xfrm rot="10800000">
+            <a:off x="2752916" y="2094148"/>
+            <a:ext cx="284718" cy="122332"/>
+            <a:chOff x="4952729" y="4315951"/>
+            <a:chExt cx="284718" cy="122332"/>
+          </a:xfrm>
+        </p:grpSpPr>
+        <p:sp>
+          <p:nvSpPr>
+            <p:cNvPr id="24" name="Isosceles Triangle 23">
+              <a:extLst>
+                <a:ext uri="{FF2B5EF4-FFF2-40B4-BE49-F238E27FC236}">
+                  <a16:creationId xmlns:a16="http://schemas.microsoft.com/office/drawing/2014/main" id="{DDA111C1-875D-70BC-22D6-D995C7DD8B54}"/>
+                </a:ext>
+              </a:extLst>
+            </p:cNvPr>
+            <p:cNvSpPr/>
+            <p:nvPr/>
+          </p:nvSpPr>
+          <p:spPr>
+            <a:xfrm rot="16200000">
+              <a:off x="4945659" y="4323021"/>
+              <a:ext cx="122332" cy="108191"/>
+            </a:xfrm>
+            <a:prstGeom prst="triangle">
+              <a:avLst/>
+            </a:prstGeom>
+            <a:solidFill>
+              <a:schemeClr val="bg1"/>
+            </a:solidFill>
+            <a:ln w="28575">
+              <a:solidFill>
+                <a:schemeClr val="tx1"/>
+              </a:solidFill>
+            </a:ln>
+            <a:effectLst/>
+          </p:spPr>
+          <p:style>
+            <a:lnRef idx="1">
+              <a:schemeClr val="accent1"/>
+            </a:lnRef>
+            <a:fillRef idx="3">
+              <a:schemeClr val="accent1"/>
+            </a:fillRef>
+            <a:effectRef idx="2">
+              <a:schemeClr val="accent1"/>
+            </a:effectRef>
+            <a:fontRef idx="minor">
+              <a:schemeClr val="lt1"/>
+            </a:fontRef>
+          </p:style>
+          <p:txBody>
+            <a:bodyPr rtlCol="0" anchor="ctr"/>
+            <a:lstStyle/>
+            <a:p>
+              <a:pPr algn="ctr">
+                <a:spcBef>
+                  <a:spcPts val="600"/>
+                </a:spcBef>
+                <a:spcAft>
+                  <a:spcPts val="600"/>
+                </a:spcAft>
+              </a:pPr>
+              <a:endParaRPr lang="en-US"/>
+            </a:p>
+          </p:txBody>
+        </p:sp>
+        <p:cxnSp>
+          <p:nvCxnSpPr>
+            <p:cNvPr id="27" name="Straight Connector 26">
+              <a:extLst>
+                <a:ext uri="{FF2B5EF4-FFF2-40B4-BE49-F238E27FC236}">
+                  <a16:creationId xmlns:a16="http://schemas.microsoft.com/office/drawing/2014/main" id="{279339A5-EA68-1982-F189-3FE757E57DAC}"/>
+                </a:ext>
+              </a:extLst>
+            </p:cNvPr>
+            <p:cNvCxnSpPr>
+              <a:cxnSpLocks/>
+              <a:endCxn id="24" idx="3"/>
+            </p:cNvCxnSpPr>
+            <p:nvPr/>
+          </p:nvCxnSpPr>
+          <p:spPr>
+            <a:xfrm flipH="1">
+              <a:off x="5060921" y="4377117"/>
+              <a:ext cx="176526" cy="0"/>
+            </a:xfrm>
+            <a:prstGeom prst="line">
+              <a:avLst/>
+            </a:prstGeom>
+            <a:ln w="28575">
+              <a:solidFill>
+                <a:schemeClr val="tx1"/>
+              </a:solidFill>
+            </a:ln>
+            <a:effectLst/>
+          </p:spPr>
+          <p:style>
+            <a:lnRef idx="2">
+              <a:schemeClr val="accent1"/>
+            </a:lnRef>
+            <a:fillRef idx="0">
+              <a:schemeClr val="accent1"/>
+            </a:fillRef>
+            <a:effectRef idx="1">
+              <a:schemeClr val="accent1"/>
+            </a:effectRef>
+            <a:fontRef idx="minor">
+              <a:schemeClr val="tx1"/>
+            </a:fontRef>
+          </p:style>
+        </p:cxnSp>
+      </p:grpSp>
     </p:spTree>
     <p:extLst>
       <p:ext uri="{BB962C8B-B14F-4D97-AF65-F5344CB8AC3E}">
@@ -50899,7 +51225,7 @@
         </p:nvSpPr>
         <p:spPr>
           <a:xfrm>
-            <a:off x="4138960" y="1212"/>
+            <a:off x="4138960" y="621415"/>
             <a:ext cx="3574434" cy="730961"/>
           </a:xfrm>
           <a:prstGeom prst="roundRect">
@@ -51040,7 +51366,7 @@
         </p:nvSpPr>
         <p:spPr>
           <a:xfrm>
-            <a:off x="1368303" y="1246897"/>
+            <a:off x="1368303" y="1867100"/>
             <a:ext cx="3192695" cy="837175"/>
           </a:xfrm>
           <a:prstGeom prst="roundRect">
@@ -51178,7 +51504,7 @@
         </p:nvSpPr>
         <p:spPr>
           <a:xfrm>
-            <a:off x="5641213" y="1246897"/>
+            <a:off x="5641213" y="1867100"/>
             <a:ext cx="2730357" cy="729883"/>
           </a:xfrm>
           <a:prstGeom prst="roundRect">
@@ -51282,7 +51608,7 @@
         </p:nvSpPr>
         <p:spPr>
           <a:xfrm>
-            <a:off x="8575513" y="1246900"/>
+            <a:off x="8575513" y="1867103"/>
             <a:ext cx="2730357" cy="729882"/>
           </a:xfrm>
           <a:prstGeom prst="roundRect">
@@ -51415,7 +51741,7 @@
         </p:nvCxnSpPr>
         <p:spPr>
           <a:xfrm rot="5400000">
-            <a:off x="4297702" y="-381578"/>
+            <a:off x="4297702" y="238625"/>
             <a:ext cx="295424" cy="2961526"/>
           </a:xfrm>
           <a:prstGeom prst="bentConnector3">
@@ -51465,7 +51791,7 @@
         </p:nvCxnSpPr>
         <p:spPr>
           <a:xfrm rot="16200000" flipH="1">
-            <a:off x="6318572" y="559077"/>
+            <a:off x="6318572" y="1179280"/>
             <a:ext cx="295424" cy="1080215"/>
           </a:xfrm>
           <a:prstGeom prst="bentConnector3">
@@ -51515,7 +51841,7 @@
         </p:nvCxnSpPr>
         <p:spPr>
           <a:xfrm rot="16200000" flipH="1">
-            <a:off x="7785721" y="-908072"/>
+            <a:off x="7785721" y="-287869"/>
             <a:ext cx="295427" cy="4014515"/>
           </a:xfrm>
           <a:prstGeom prst="bentConnector3">
@@ -51561,7 +51887,7 @@
         </p:nvSpPr>
         <p:spPr>
           <a:xfrm>
-            <a:off x="794650" y="2639626"/>
+            <a:off x="794650" y="3259829"/>
             <a:ext cx="2676953" cy="951027"/>
           </a:xfrm>
           <a:prstGeom prst="roundRect">
@@ -51682,7 +52008,7 @@
         </p:nvSpPr>
         <p:spPr>
           <a:xfrm>
-            <a:off x="6751236" y="2641029"/>
+            <a:off x="6751236" y="3261232"/>
             <a:ext cx="2842377" cy="949621"/>
           </a:xfrm>
           <a:prstGeom prst="roundRect">
@@ -51802,7 +52128,7 @@
         </p:nvSpPr>
         <p:spPr>
           <a:xfrm>
-            <a:off x="3686731" y="2639626"/>
+            <a:off x="3686731" y="3259829"/>
             <a:ext cx="2845877" cy="951026"/>
           </a:xfrm>
           <a:prstGeom prst="roundRect">
@@ -51926,7 +52252,7 @@
         </p:nvCxnSpPr>
         <p:spPr>
           <a:xfrm rot="5400000">
-            <a:off x="2423569" y="2020702"/>
+            <a:off x="2423569" y="2640905"/>
             <a:ext cx="328482" cy="909366"/>
           </a:xfrm>
           <a:prstGeom prst="bentConnector3">
@@ -51976,7 +52302,7 @@
         </p:nvCxnSpPr>
         <p:spPr>
           <a:xfrm rot="16200000" flipH="1">
-            <a:off x="3911840" y="1441796"/>
+            <a:off x="3911840" y="2061999"/>
             <a:ext cx="328482" cy="2067177"/>
           </a:xfrm>
           <a:prstGeom prst="bentConnector3">
@@ -52026,7 +52352,7 @@
         </p:nvCxnSpPr>
         <p:spPr>
           <a:xfrm rot="16200000" flipH="1">
-            <a:off x="5442517" y="-88880"/>
+            <a:off x="5442517" y="531323"/>
             <a:ext cx="329885" cy="5129932"/>
           </a:xfrm>
           <a:prstGeom prst="bentConnector3">
@@ -52072,7 +52398,7 @@
         </p:nvSpPr>
         <p:spPr>
           <a:xfrm>
-            <a:off x="5750917" y="743322"/>
+            <a:off x="5750917" y="1363525"/>
             <a:ext cx="350520" cy="208151"/>
           </a:xfrm>
           <a:prstGeom prst="triangle">
@@ -52136,7 +52462,7 @@
         </p:nvSpPr>
         <p:spPr>
           <a:xfrm>
-            <a:off x="2867233" y="2102993"/>
+            <a:off x="2867233" y="2723196"/>
             <a:ext cx="350520" cy="208151"/>
           </a:xfrm>
           <a:prstGeom prst="triangle">
@@ -52200,7 +52526,7 @@
         </p:nvSpPr>
         <p:spPr>
           <a:xfrm>
-            <a:off x="5641214" y="1974165"/>
+            <a:off x="5641214" y="2594368"/>
             <a:ext cx="2727197" cy="267576"/>
           </a:xfrm>
           <a:prstGeom prst="roundRect">
@@ -52278,7 +52604,7 @@
         </p:nvSpPr>
         <p:spPr>
           <a:xfrm>
-            <a:off x="5747612" y="2084072"/>
+            <a:off x="5747612" y="2704275"/>
             <a:ext cx="254000" cy="96762"/>
           </a:xfrm>
           <a:prstGeom prst="rect">
@@ -52335,7 +52661,7 @@
         </p:nvSpPr>
         <p:spPr>
           <a:xfrm>
-            <a:off x="5747612" y="2037391"/>
+            <a:off x="5747612" y="2657594"/>
             <a:ext cx="126999" cy="46681"/>
           </a:xfrm>
           <a:prstGeom prst="rect">
@@ -52392,7 +52718,7 @@
         </p:nvSpPr>
         <p:spPr>
           <a:xfrm>
-            <a:off x="8575513" y="1974165"/>
+            <a:off x="8575513" y="2594368"/>
             <a:ext cx="2727197" cy="267576"/>
           </a:xfrm>
           <a:prstGeom prst="roundRect">
@@ -52470,7 +52796,7 @@
         </p:nvSpPr>
         <p:spPr>
           <a:xfrm>
-            <a:off x="8685825" y="2084072"/>
+            <a:off x="8685825" y="2704275"/>
             <a:ext cx="254000" cy="96762"/>
           </a:xfrm>
           <a:prstGeom prst="rect">
@@ -52527,7 +52853,7 @@
         </p:nvSpPr>
         <p:spPr>
           <a:xfrm>
-            <a:off x="8685825" y="2037391"/>
+            <a:off x="8685825" y="2657594"/>
             <a:ext cx="126999" cy="46681"/>
           </a:xfrm>
           <a:prstGeom prst="rect">
@@ -52584,7 +52910,7 @@
         </p:nvSpPr>
         <p:spPr>
           <a:xfrm>
-            <a:off x="796230" y="3583994"/>
+            <a:off x="796230" y="4204197"/>
             <a:ext cx="2675373" cy="267576"/>
           </a:xfrm>
           <a:prstGeom prst="roundRect">
@@ -52662,7 +52988,7 @@
         </p:nvSpPr>
         <p:spPr>
           <a:xfrm>
-            <a:off x="894161" y="3702610"/>
+            <a:off x="894161" y="4322813"/>
             <a:ext cx="254000" cy="96762"/>
           </a:xfrm>
           <a:prstGeom prst="rect">
@@ -52719,7 +53045,7 @@
         </p:nvSpPr>
         <p:spPr>
           <a:xfrm>
-            <a:off x="894161" y="3655929"/>
+            <a:off x="894161" y="4276132"/>
             <a:ext cx="126999" cy="46681"/>
           </a:xfrm>
           <a:prstGeom prst="rect">
@@ -52776,7 +53102,7 @@
         </p:nvSpPr>
         <p:spPr>
           <a:xfrm>
-            <a:off x="3686731" y="3583994"/>
+            <a:off x="3686731" y="4204197"/>
             <a:ext cx="2845877" cy="267576"/>
           </a:xfrm>
           <a:prstGeom prst="roundRect">
@@ -52854,7 +53180,7 @@
         </p:nvSpPr>
         <p:spPr>
           <a:xfrm>
-            <a:off x="3795645" y="3702610"/>
+            <a:off x="3795645" y="4322813"/>
             <a:ext cx="254000" cy="96762"/>
           </a:xfrm>
           <a:prstGeom prst="rect">
@@ -52911,7 +53237,7 @@
         </p:nvSpPr>
         <p:spPr>
           <a:xfrm>
-            <a:off x="3795645" y="3655929"/>
+            <a:off x="3795645" y="4276132"/>
             <a:ext cx="126999" cy="46681"/>
           </a:xfrm>
           <a:prstGeom prst="rect">
@@ -52968,7 +53294,7 @@
         </p:nvSpPr>
         <p:spPr>
           <a:xfrm>
-            <a:off x="6747736" y="3590652"/>
+            <a:off x="6747736" y="4210855"/>
             <a:ext cx="2845877" cy="267576"/>
           </a:xfrm>
           <a:prstGeom prst="roundRect">
@@ -53046,7 +53372,7 @@
         </p:nvSpPr>
         <p:spPr>
           <a:xfrm>
-            <a:off x="6861755" y="3709026"/>
+            <a:off x="6861755" y="4329229"/>
             <a:ext cx="254000" cy="96762"/>
           </a:xfrm>
           <a:prstGeom prst="rect">
@@ -53103,7 +53429,7 @@
         </p:nvSpPr>
         <p:spPr>
           <a:xfrm>
-            <a:off x="6861755" y="3662345"/>
+            <a:off x="6861755" y="4282548"/>
             <a:ext cx="126999" cy="46681"/>
           </a:xfrm>
           <a:prstGeom prst="rect">
@@ -53193,7 +53519,7 @@
         </p:nvSpPr>
         <p:spPr>
           <a:xfrm>
-            <a:off x="4138960" y="1212"/>
+            <a:off x="4138960" y="462389"/>
             <a:ext cx="3574434" cy="730961"/>
           </a:xfrm>
           <a:prstGeom prst="roundRect">
@@ -53334,8 +53660,8 @@
         </p:nvSpPr>
         <p:spPr>
           <a:xfrm>
-            <a:off x="1908237" y="1246897"/>
-            <a:ext cx="3192695" cy="837175"/>
+            <a:off x="3092983" y="1708074"/>
+            <a:ext cx="3274856" cy="837175"/>
           </a:xfrm>
           <a:prstGeom prst="roundRect">
             <a:avLst>
@@ -53367,7 +53693,7 @@
           </a:fontRef>
         </p:style>
         <p:txBody>
-          <a:bodyPr rtlCol="0" anchor="ctr"/>
+          <a:bodyPr rtlCol="0" anchor="t"/>
           <a:lstStyle/>
           <a:p>
             <a:pPr algn="ctr">
@@ -53428,7 +53754,7 @@
                 </a:solidFill>
                 <a:latin typeface="Consolas" panose="020B0609020204030204" pitchFamily="49" charset="0"/>
               </a:rPr>
-              <a:t>swComp</a:t>
+              <a:t>mitComp</a:t>
             </a:r>
             <a:r>
               <a:rPr lang="en-US" sz="1400" dirty="0">
@@ -53472,8 +53798,8 @@
         </p:nvSpPr>
         <p:spPr>
           <a:xfrm>
-            <a:off x="8227167" y="1246900"/>
-            <a:ext cx="2730357" cy="729882"/>
+            <a:off x="8377549" y="1708077"/>
+            <a:ext cx="2842376" cy="729882"/>
           </a:xfrm>
           <a:prstGeom prst="roundRect">
             <a:avLst>
@@ -53536,7 +53862,7 @@
                 </a:solidFill>
                 <a:latin typeface="Consolas" panose="020B0609020204030204" pitchFamily="49" charset="0"/>
               </a:rPr>
-              <a:t>sysImplSatReqs</a:t>
+              <a:t>sysImplSatReq</a:t>
             </a:r>
             <a:endParaRPr lang="en-US" sz="1400" dirty="0">
               <a:solidFill>
@@ -53574,7 +53900,24 @@
                   <a:schemeClr val="tx1"/>
                 </a:solidFill>
               </a:rPr>
-              <a:t>} model satisfies requirements</a:t>
+              <a:t>} model satisfies requirement {</a:t>
+            </a:r>
+            <a:r>
+              <a:rPr lang="en-US" sz="1400" dirty="0" err="1">
+                <a:solidFill>
+                  <a:schemeClr val="tx1"/>
+                </a:solidFill>
+                <a:latin typeface="Consolas" panose="020B0609020204030204" pitchFamily="49" charset="0"/>
+              </a:rPr>
+              <a:t>seqReq</a:t>
+            </a:r>
+            <a:r>
+              <a:rPr lang="en-US" sz="1400" dirty="0">
+                <a:solidFill>
+                  <a:schemeClr val="tx1"/>
+                </a:solidFill>
+              </a:rPr>
+              <a:t>}</a:t>
             </a:r>
           </a:p>
         </p:txBody>
@@ -53597,8 +53940,8 @@
         </p:nvCxnSpPr>
         <p:spPr>
           <a:xfrm rot="5400000">
-            <a:off x="4567669" y="-111611"/>
-            <a:ext cx="295424" cy="2421592"/>
+            <a:off x="5180582" y="962479"/>
+            <a:ext cx="295424" cy="1195766"/>
           </a:xfrm>
           <a:prstGeom prst="bentConnector3">
             <a:avLst>
@@ -53647,8 +53990,8 @@
         </p:nvCxnSpPr>
         <p:spPr>
           <a:xfrm rot="16200000" flipH="1">
-            <a:off x="7611548" y="-733899"/>
-            <a:ext cx="295427" cy="3666169"/>
+            <a:off x="7714744" y="-375917"/>
+            <a:ext cx="295427" cy="3872560"/>
           </a:xfrm>
           <a:prstGeom prst="bentConnector3">
             <a:avLst>
@@ -53693,8 +54036,8 @@
         </p:nvSpPr>
         <p:spPr>
           <a:xfrm>
-            <a:off x="568216" y="2639626"/>
-            <a:ext cx="2676953" cy="951027"/>
+            <a:off x="349857" y="3132607"/>
+            <a:ext cx="2744243" cy="951027"/>
           </a:xfrm>
           <a:prstGeom prst="roundRect">
             <a:avLst>
@@ -53787,7 +54130,7 @@
                 </a:solidFill>
                 <a:latin typeface="Consolas" panose="020B0609020204030204" pitchFamily="49" charset="0"/>
               </a:rPr>
-              <a:t>swComp</a:t>
+              <a:t>mitComp</a:t>
             </a:r>
             <a:r>
               <a:rPr lang="en-US" sz="1400" dirty="0">
@@ -53814,8 +54157,8 @@
         </p:nvSpPr>
         <p:spPr>
           <a:xfrm>
-            <a:off x="6524802" y="2641029"/>
-            <a:ext cx="2842377" cy="949621"/>
+            <a:off x="6370233" y="3134010"/>
+            <a:ext cx="2845877" cy="949621"/>
           </a:xfrm>
           <a:prstGeom prst="roundRect">
             <a:avLst>
@@ -53907,7 +54250,7 @@
                 </a:solidFill>
                 <a:latin typeface="Consolas" panose="020B0609020204030204" pitchFamily="49" charset="0"/>
               </a:rPr>
-              <a:t>swComp</a:t>
+              <a:t>mitComp</a:t>
             </a:r>
             <a:r>
               <a:rPr lang="en-US" sz="1400" dirty="0">
@@ -53934,7 +54277,7 @@
         </p:nvSpPr>
         <p:spPr>
           <a:xfrm>
-            <a:off x="3460297" y="2639626"/>
+            <a:off x="3309228" y="3132607"/>
             <a:ext cx="2845877" cy="951026"/>
           </a:xfrm>
           <a:prstGeom prst="roundRect">
@@ -54027,7 +54370,7 @@
                 </a:solidFill>
                 <a:latin typeface="Consolas" panose="020B0609020204030204" pitchFamily="49" charset="0"/>
               </a:rPr>
-              <a:t>swComp</a:t>
+              <a:t>mitComp</a:t>
             </a:r>
             <a:r>
               <a:rPr lang="en-US" sz="1400" dirty="0">
@@ -54058,8 +54401,8 @@
         </p:nvCxnSpPr>
         <p:spPr>
           <a:xfrm rot="5400000">
-            <a:off x="2580319" y="1637518"/>
-            <a:ext cx="328482" cy="1675734"/>
+            <a:off x="3044553" y="1449747"/>
+            <a:ext cx="360286" cy="3005434"/>
           </a:xfrm>
           <a:prstGeom prst="bentConnector3">
             <a:avLst>
@@ -54108,8 +54451,8 @@
         </p:nvCxnSpPr>
         <p:spPr>
           <a:xfrm rot="16200000" flipH="1">
-            <a:off x="4068590" y="1824980"/>
-            <a:ext cx="328482" cy="1300809"/>
+            <a:off x="4549647" y="2950087"/>
+            <a:ext cx="360286" cy="4754"/>
           </a:xfrm>
           <a:prstGeom prst="bentConnector3">
             <a:avLst>
@@ -54158,8 +54501,8 @@
         </p:nvCxnSpPr>
         <p:spPr>
           <a:xfrm rot="16200000" flipH="1">
-            <a:off x="5599267" y="294304"/>
-            <a:ext cx="329885" cy="4363564"/>
+            <a:off x="6079448" y="1420285"/>
+            <a:ext cx="361689" cy="3065759"/>
           </a:xfrm>
           <a:prstGeom prst="bentConnector3">
             <a:avLst>
@@ -54204,7 +54547,7 @@
         </p:nvSpPr>
         <p:spPr>
           <a:xfrm>
-            <a:off x="5750917" y="743322"/>
+            <a:off x="5750917" y="1204499"/>
             <a:ext cx="350520" cy="208151"/>
           </a:xfrm>
           <a:prstGeom prst="triangle">
@@ -54268,7 +54611,7 @@
         </p:nvSpPr>
         <p:spPr>
           <a:xfrm>
-            <a:off x="3407167" y="2102993"/>
+            <a:off x="4552153" y="2564170"/>
             <a:ext cx="350520" cy="208151"/>
           </a:xfrm>
           <a:prstGeom prst="triangle">
@@ -54332,8 +54675,8 @@
         </p:nvSpPr>
         <p:spPr>
           <a:xfrm>
-            <a:off x="8227167" y="1974165"/>
-            <a:ext cx="2727197" cy="267576"/>
+            <a:off x="8378253" y="2443293"/>
+            <a:ext cx="2841672" cy="267576"/>
           </a:xfrm>
           <a:prstGeom prst="roundRect">
             <a:avLst>
@@ -54410,7 +54753,7 @@
         </p:nvSpPr>
         <p:spPr>
           <a:xfrm>
-            <a:off x="8337479" y="2084072"/>
+            <a:off x="8488565" y="2553200"/>
             <a:ext cx="254000" cy="96762"/>
           </a:xfrm>
           <a:prstGeom prst="rect">
@@ -54467,7 +54810,7 @@
         </p:nvSpPr>
         <p:spPr>
           <a:xfrm>
-            <a:off x="8337479" y="2037391"/>
+            <a:off x="8488565" y="2506519"/>
             <a:ext cx="126999" cy="46681"/>
           </a:xfrm>
           <a:prstGeom prst="rect">
@@ -54524,8 +54867,8 @@
         </p:nvSpPr>
         <p:spPr>
           <a:xfrm>
-            <a:off x="569796" y="3583994"/>
-            <a:ext cx="2675373" cy="267576"/>
+            <a:off x="353539" y="4084926"/>
+            <a:ext cx="2739444" cy="267576"/>
           </a:xfrm>
           <a:prstGeom prst="roundRect">
             <a:avLst>
@@ -54602,7 +54945,7 @@
         </p:nvSpPr>
         <p:spPr>
           <a:xfrm>
-            <a:off x="667727" y="3702610"/>
+            <a:off x="453050" y="4203542"/>
             <a:ext cx="254000" cy="96762"/>
           </a:xfrm>
           <a:prstGeom prst="rect">
@@ -54659,7 +55002,7 @@
         </p:nvSpPr>
         <p:spPr>
           <a:xfrm>
-            <a:off x="667727" y="3655929"/>
+            <a:off x="453050" y="4156861"/>
             <a:ext cx="126999" cy="46681"/>
           </a:xfrm>
           <a:prstGeom prst="rect">
@@ -54716,7 +55059,7 @@
         </p:nvSpPr>
         <p:spPr>
           <a:xfrm>
-            <a:off x="3460297" y="3583994"/>
+            <a:off x="3309228" y="4076975"/>
             <a:ext cx="2845877" cy="267576"/>
           </a:xfrm>
           <a:prstGeom prst="roundRect">
@@ -54794,7 +55137,7 @@
         </p:nvSpPr>
         <p:spPr>
           <a:xfrm>
-            <a:off x="3569211" y="3702610"/>
+            <a:off x="3418142" y="4195591"/>
             <a:ext cx="254000" cy="96762"/>
           </a:xfrm>
           <a:prstGeom prst="rect">
@@ -54851,7 +55194,7 @@
         </p:nvSpPr>
         <p:spPr>
           <a:xfrm>
-            <a:off x="3569211" y="3655929"/>
+            <a:off x="3418142" y="4148910"/>
             <a:ext cx="126999" cy="46681"/>
           </a:xfrm>
           <a:prstGeom prst="rect">
@@ -54908,7 +55251,7 @@
         </p:nvSpPr>
         <p:spPr>
           <a:xfrm>
-            <a:off x="6521302" y="3590652"/>
+            <a:off x="6370233" y="4083633"/>
             <a:ext cx="2845877" cy="267576"/>
           </a:xfrm>
           <a:prstGeom prst="roundRect">
@@ -54986,7 +55329,7 @@
         </p:nvSpPr>
         <p:spPr>
           <a:xfrm>
-            <a:off x="6635321" y="3709026"/>
+            <a:off x="6484252" y="4202007"/>
             <a:ext cx="254000" cy="96762"/>
           </a:xfrm>
           <a:prstGeom prst="rect">
@@ -55043,7 +55386,7 @@
         </p:nvSpPr>
         <p:spPr>
           <a:xfrm>
-            <a:off x="6635321" y="3662345"/>
+            <a:off x="6484252" y="4155326"/>
             <a:ext cx="126999" cy="46681"/>
           </a:xfrm>
           <a:prstGeom prst="rect">
@@ -55086,6 +55429,417 @@
           </a:p>
         </p:txBody>
       </p:sp>
+      <p:sp>
+        <p:nvSpPr>
+          <p:cNvPr id="4" name="Rectangle: Rounded Corners 3">
+            <a:extLst>
+              <a:ext uri="{FF2B5EF4-FFF2-40B4-BE49-F238E27FC236}">
+                <a16:creationId xmlns:a16="http://schemas.microsoft.com/office/drawing/2014/main" id="{AC12E6B0-9A70-9199-7B8A-5D891994AC26}"/>
+              </a:ext>
+            </a:extLst>
+          </p:cNvPr>
+          <p:cNvSpPr/>
+          <p:nvPr/>
+        </p:nvSpPr>
+        <p:spPr>
+          <a:xfrm>
+            <a:off x="532526" y="1675377"/>
+            <a:ext cx="2228347" cy="708480"/>
+          </a:xfrm>
+          <a:prstGeom prst="roundRect">
+            <a:avLst/>
+          </a:prstGeom>
+          <a:solidFill>
+            <a:schemeClr val="bg1"/>
+          </a:solidFill>
+          <a:ln w="28575">
+            <a:solidFill>
+              <a:srgbClr val="0070C0"/>
+            </a:solidFill>
+          </a:ln>
+          <a:effectLst/>
+        </p:spPr>
+        <p:style>
+          <a:lnRef idx="1">
+            <a:schemeClr val="accent1"/>
+          </a:lnRef>
+          <a:fillRef idx="3">
+            <a:schemeClr val="accent1"/>
+          </a:fillRef>
+          <a:effectRef idx="2">
+            <a:schemeClr val="accent1"/>
+          </a:effectRef>
+          <a:fontRef idx="minor">
+            <a:schemeClr val="lt1"/>
+          </a:fontRef>
+        </p:style>
+        <p:txBody>
+          <a:bodyPr rtlCol="0" anchor="t"/>
+          <a:lstStyle/>
+          <a:p>
+            <a:pPr algn="ctr">
+              <a:spcBef>
+                <a:spcPts val="600"/>
+              </a:spcBef>
+            </a:pPr>
+            <a:r>
+              <a:rPr lang="en-US" sz="1400" b="1" dirty="0" err="1">
+                <a:solidFill>
+                  <a:schemeClr val="tx1"/>
+                </a:solidFill>
+              </a:rPr>
+              <a:t>Ctx</a:t>
+            </a:r>
+            <a:r>
+              <a:rPr lang="en-US" sz="1400" dirty="0">
+                <a:solidFill>
+                  <a:schemeClr val="tx1"/>
+                </a:solidFill>
+              </a:rPr>
+              <a:t>: </a:t>
+            </a:r>
+            <a:r>
+              <a:rPr lang="en-US" sz="1400" dirty="0" err="1">
+                <a:solidFill>
+                  <a:schemeClr val="tx1"/>
+                </a:solidFill>
+                <a:latin typeface="Consolas" panose="020B0609020204030204" pitchFamily="49" charset="0"/>
+              </a:rPr>
+              <a:t>mitComp</a:t>
+            </a:r>
+            <a:endParaRPr lang="en-US" sz="1400" dirty="0">
+              <a:solidFill>
+                <a:schemeClr val="tx1"/>
+              </a:solidFill>
+              <a:latin typeface="Consolas" panose="020B0609020204030204" pitchFamily="49" charset="0"/>
+            </a:endParaRPr>
+          </a:p>
+          <a:p>
+            <a:pPr algn="ctr">
+              <a:spcBef>
+                <a:spcPts val="600"/>
+              </a:spcBef>
+            </a:pPr>
+            <a:r>
+              <a:rPr lang="en-US" sz="1400" dirty="0">
+                <a:solidFill>
+                  <a:schemeClr val="tx1"/>
+                </a:solidFill>
+              </a:rPr>
+              <a:t>Mitigating component</a:t>
+            </a:r>
+          </a:p>
+        </p:txBody>
+      </p:sp>
+      <p:sp>
+        <p:nvSpPr>
+          <p:cNvPr id="5" name="Isosceles Triangle 4">
+            <a:extLst>
+              <a:ext uri="{FF2B5EF4-FFF2-40B4-BE49-F238E27FC236}">
+                <a16:creationId xmlns:a16="http://schemas.microsoft.com/office/drawing/2014/main" id="{316B32EF-E89D-FA87-150E-0F1156B6CEB7}"/>
+              </a:ext>
+            </a:extLst>
+          </p:cNvPr>
+          <p:cNvSpPr/>
+          <p:nvPr/>
+        </p:nvSpPr>
+        <p:spPr>
+          <a:xfrm rot="16200000">
+            <a:off x="2787372" y="2062850"/>
+            <a:ext cx="122332" cy="108191"/>
+          </a:xfrm>
+          <a:prstGeom prst="triangle">
+            <a:avLst/>
+          </a:prstGeom>
+          <a:solidFill>
+            <a:schemeClr val="bg1"/>
+          </a:solidFill>
+          <a:ln w="28575">
+            <a:solidFill>
+              <a:schemeClr val="tx1"/>
+            </a:solidFill>
+          </a:ln>
+          <a:effectLst/>
+        </p:spPr>
+        <p:style>
+          <a:lnRef idx="1">
+            <a:schemeClr val="accent1"/>
+          </a:lnRef>
+          <a:fillRef idx="3">
+            <a:schemeClr val="accent1"/>
+          </a:fillRef>
+          <a:effectRef idx="2">
+            <a:schemeClr val="accent1"/>
+          </a:effectRef>
+          <a:fontRef idx="minor">
+            <a:schemeClr val="lt1"/>
+          </a:fontRef>
+        </p:style>
+        <p:txBody>
+          <a:bodyPr rtlCol="0" anchor="ctr"/>
+          <a:lstStyle/>
+          <a:p>
+            <a:pPr algn="ctr">
+              <a:spcBef>
+                <a:spcPts val="600"/>
+              </a:spcBef>
+              <a:spcAft>
+                <a:spcPts val="600"/>
+              </a:spcAft>
+            </a:pPr>
+            <a:endParaRPr lang="en-US"/>
+          </a:p>
+        </p:txBody>
+      </p:sp>
+      <p:cxnSp>
+        <p:nvCxnSpPr>
+          <p:cNvPr id="6" name="Straight Connector 5">
+            <a:extLst>
+              <a:ext uri="{FF2B5EF4-FFF2-40B4-BE49-F238E27FC236}">
+                <a16:creationId xmlns:a16="http://schemas.microsoft.com/office/drawing/2014/main" id="{2A106371-8BEC-D950-EA30-39179D3D8299}"/>
+              </a:ext>
+            </a:extLst>
+          </p:cNvPr>
+          <p:cNvCxnSpPr>
+            <a:cxnSpLocks/>
+            <a:endCxn id="5" idx="3"/>
+          </p:cNvCxnSpPr>
+          <p:nvPr/>
+        </p:nvCxnSpPr>
+        <p:spPr>
+          <a:xfrm flipH="1">
+            <a:off x="2902634" y="2116946"/>
+            <a:ext cx="176526" cy="0"/>
+          </a:xfrm>
+          <a:prstGeom prst="line">
+            <a:avLst/>
+          </a:prstGeom>
+          <a:ln w="28575">
+            <a:solidFill>
+              <a:schemeClr val="tx1"/>
+            </a:solidFill>
+          </a:ln>
+          <a:effectLst/>
+        </p:spPr>
+        <p:style>
+          <a:lnRef idx="2">
+            <a:schemeClr val="accent1"/>
+          </a:lnRef>
+          <a:fillRef idx="0">
+            <a:schemeClr val="accent1"/>
+          </a:fillRef>
+          <a:effectRef idx="1">
+            <a:schemeClr val="accent1"/>
+          </a:effectRef>
+          <a:fontRef idx="minor">
+            <a:schemeClr val="tx1"/>
+          </a:fontRef>
+        </p:style>
+      </p:cxnSp>
+      <p:sp>
+        <p:nvSpPr>
+          <p:cNvPr id="16" name="Rectangle: Rounded Corners 15">
+            <a:extLst>
+              <a:ext uri="{FF2B5EF4-FFF2-40B4-BE49-F238E27FC236}">
+                <a16:creationId xmlns:a16="http://schemas.microsoft.com/office/drawing/2014/main" id="{EA9507CC-FDB3-97AA-8314-9CB220F955C1}"/>
+              </a:ext>
+            </a:extLst>
+          </p:cNvPr>
+          <p:cNvSpPr/>
+          <p:nvPr/>
+        </p:nvSpPr>
+        <p:spPr>
+          <a:xfrm>
+            <a:off x="532526" y="2286393"/>
+            <a:ext cx="2228347" cy="267576"/>
+          </a:xfrm>
+          <a:prstGeom prst="roundRect">
+            <a:avLst>
+              <a:gd name="adj" fmla="val 0"/>
+            </a:avLst>
+          </a:prstGeom>
+          <a:solidFill>
+            <a:schemeClr val="bg1"/>
+          </a:solidFill>
+          <a:ln w="28575">
+            <a:solidFill>
+              <a:srgbClr val="0070C0"/>
+            </a:solidFill>
+          </a:ln>
+          <a:effectLst/>
+        </p:spPr>
+        <p:style>
+          <a:lnRef idx="1">
+            <a:schemeClr val="accent1"/>
+          </a:lnRef>
+          <a:fillRef idx="3">
+            <a:schemeClr val="accent1"/>
+          </a:fillRef>
+          <a:effectRef idx="2">
+            <a:schemeClr val="accent1"/>
+          </a:effectRef>
+          <a:fontRef idx="minor">
+            <a:schemeClr val="lt1"/>
+          </a:fontRef>
+        </p:style>
+        <p:txBody>
+          <a:bodyPr rtlCol="0" anchor="ctr"/>
+          <a:lstStyle/>
+          <a:p>
+            <a:pPr>
+              <a:spcAft>
+                <a:spcPts val="600"/>
+              </a:spcAft>
+            </a:pPr>
+            <a:r>
+              <a:rPr lang="en-US" sz="1200" dirty="0">
+                <a:solidFill>
+                  <a:schemeClr val="tx1"/>
+                </a:solidFill>
+              </a:rPr>
+              <a:t>          </a:t>
+            </a:r>
+            <a:r>
+              <a:rPr lang="en-US" sz="1200" dirty="0">
+                <a:solidFill>
+                  <a:schemeClr val="tx1"/>
+                </a:solidFill>
+                <a:latin typeface="Consolas" panose="020B0609020204030204" pitchFamily="49" charset="0"/>
+              </a:rPr>
+              <a:t>Model Correctness</a:t>
+            </a:r>
+          </a:p>
+        </p:txBody>
+      </p:sp>
+      <p:grpSp>
+        <p:nvGrpSpPr>
+          <p:cNvPr id="17" name="Group 16">
+            <a:extLst>
+              <a:ext uri="{FF2B5EF4-FFF2-40B4-BE49-F238E27FC236}">
+                <a16:creationId xmlns:a16="http://schemas.microsoft.com/office/drawing/2014/main" id="{D395875D-EB20-EE68-8C09-ED6A63AA6F6B}"/>
+              </a:ext>
+            </a:extLst>
+          </p:cNvPr>
+          <p:cNvGrpSpPr>
+            <a:grpSpLocks noChangeAspect="1"/>
+          </p:cNvGrpSpPr>
+          <p:nvPr/>
+        </p:nvGrpSpPr>
+        <p:grpSpPr>
+          <a:xfrm>
+            <a:off x="638924" y="2349619"/>
+            <a:ext cx="254000" cy="143443"/>
+            <a:chOff x="2294468" y="3973247"/>
+            <a:chExt cx="355600" cy="200820"/>
+          </a:xfrm>
+        </p:grpSpPr>
+        <p:sp>
+          <p:nvSpPr>
+            <p:cNvPr id="20" name="Rectangle 19">
+              <a:extLst>
+                <a:ext uri="{FF2B5EF4-FFF2-40B4-BE49-F238E27FC236}">
+                  <a16:creationId xmlns:a16="http://schemas.microsoft.com/office/drawing/2014/main" id="{54D74125-20C3-D343-18F6-E7D2E194F3C0}"/>
+                </a:ext>
+              </a:extLst>
+            </p:cNvPr>
+            <p:cNvSpPr/>
+            <p:nvPr/>
+          </p:nvSpPr>
+          <p:spPr>
+            <a:xfrm>
+              <a:off x="2294468" y="4038600"/>
+              <a:ext cx="355600" cy="135467"/>
+            </a:xfrm>
+            <a:prstGeom prst="rect">
+              <a:avLst/>
+            </a:prstGeom>
+            <a:solidFill>
+              <a:schemeClr val="bg2"/>
+            </a:solidFill>
+            <a:ln>
+              <a:solidFill>
+                <a:schemeClr val="tx1"/>
+              </a:solidFill>
+            </a:ln>
+            <a:effectLst/>
+          </p:spPr>
+          <p:style>
+            <a:lnRef idx="1">
+              <a:schemeClr val="accent1"/>
+            </a:lnRef>
+            <a:fillRef idx="3">
+              <a:schemeClr val="accent1"/>
+            </a:fillRef>
+            <a:effectRef idx="2">
+              <a:schemeClr val="accent1"/>
+            </a:effectRef>
+            <a:fontRef idx="minor">
+              <a:schemeClr val="lt1"/>
+            </a:fontRef>
+          </p:style>
+          <p:txBody>
+            <a:bodyPr rtlCol="0" anchor="ctr"/>
+            <a:lstStyle/>
+            <a:p>
+              <a:pPr algn="ctr"/>
+              <a:endParaRPr lang="en-US"/>
+            </a:p>
+          </p:txBody>
+        </p:sp>
+        <p:sp>
+          <p:nvSpPr>
+            <p:cNvPr id="21" name="Rectangle 20">
+              <a:extLst>
+                <a:ext uri="{FF2B5EF4-FFF2-40B4-BE49-F238E27FC236}">
+                  <a16:creationId xmlns:a16="http://schemas.microsoft.com/office/drawing/2014/main" id="{3FD8490F-4F62-1617-DB20-A8260622D17B}"/>
+                </a:ext>
+              </a:extLst>
+            </p:cNvPr>
+            <p:cNvSpPr/>
+            <p:nvPr/>
+          </p:nvSpPr>
+          <p:spPr>
+            <a:xfrm>
+              <a:off x="2294468" y="3973247"/>
+              <a:ext cx="177799" cy="65353"/>
+            </a:xfrm>
+            <a:prstGeom prst="rect">
+              <a:avLst/>
+            </a:prstGeom>
+            <a:solidFill>
+              <a:schemeClr val="bg2"/>
+            </a:solidFill>
+            <a:ln>
+              <a:solidFill>
+                <a:schemeClr val="tx1"/>
+              </a:solidFill>
+            </a:ln>
+            <a:effectLst/>
+          </p:spPr>
+          <p:style>
+            <a:lnRef idx="1">
+              <a:schemeClr val="accent1"/>
+            </a:lnRef>
+            <a:fillRef idx="3">
+              <a:schemeClr val="accent1"/>
+            </a:fillRef>
+            <a:effectRef idx="2">
+              <a:schemeClr val="accent1"/>
+            </a:effectRef>
+            <a:fontRef idx="minor">
+              <a:schemeClr val="lt1"/>
+            </a:fontRef>
+          </p:style>
+          <p:txBody>
+            <a:bodyPr rtlCol="0" anchor="ctr"/>
+            <a:lstStyle/>
+            <a:p>
+              <a:pPr algn="ctr"/>
+              <a:endParaRPr lang="en-US"/>
+            </a:p>
+          </p:txBody>
+        </p:sp>
+      </p:grpSp>
     </p:spTree>
     <p:extLst>
       <p:ext uri="{BB962C8B-B14F-4D97-AF65-F5344CB8AC3E}">
